--- a/PPT/PPT2020/DB第06章.pptx
+++ b/PPT/PPT2020/DB第06章.pptx
@@ -5,7 +5,7 @@
     <p:sldMasterId id="2147483648" r:id="rId1"/>
   </p:sldMasterIdLst>
   <p:notesMasterIdLst>
-    <p:notesMasterId r:id="rId65"/>
+    <p:notesMasterId r:id="rId68"/>
   </p:notesMasterIdLst>
   <p:sldIdLst>
     <p:sldId id="535" r:id="rId2"/>
@@ -69,8 +69,11 @@
     <p:sldId id="332" r:id="rId60"/>
     <p:sldId id="333" r:id="rId61"/>
     <p:sldId id="337" r:id="rId62"/>
-    <p:sldId id="338" r:id="rId63"/>
-    <p:sldId id="532" r:id="rId64"/>
+    <p:sldId id="538" r:id="rId63"/>
+    <p:sldId id="540" r:id="rId64"/>
+    <p:sldId id="539" r:id="rId65"/>
+    <p:sldId id="338" r:id="rId66"/>
+    <p:sldId id="532" r:id="rId67"/>
   </p:sldIdLst>
   <p:sldSz cx="9144000" cy="6858000" type="screen4x3"/>
   <p:notesSz cx="6834188" cy="9979025"/>
@@ -347,7 +350,7 @@
               <a:pPr>
                 <a:defRPr/>
               </a:pPr>
-              <a:t>2020/4/6</a:t>
+              <a:t>2020/4/13</a:t>
             </a:fld>
             <a:endParaRPr lang="en-US"/>
           </a:p>
@@ -40795,22 +40798,40 @@
               <a:rPr lang="zh-CN" altLang="en-US" dirty="0">
                 <a:sym typeface="Calibri" panose="020F0502020204030204" pitchFamily="34" charset="0"/>
               </a:rPr>
-              <a:t>的每个非平凡多值依赖</a:t>
+              <a:t>的每个</a:t>
+            </a:r>
+            <a:r>
+              <a:rPr lang="zh-CN" altLang="en-US" dirty="0">
+                <a:solidFill>
+                  <a:srgbClr val="FF0000"/>
+                </a:solidFill>
+                <a:sym typeface="Calibri" panose="020F0502020204030204" pitchFamily="34" charset="0"/>
+              </a:rPr>
+              <a:t>非平凡多值依赖</a:t>
             </a:r>
             <a:r>
               <a:rPr lang="en-US" altLang="zh-CN" i="1" dirty="0">
+                <a:solidFill>
+                  <a:srgbClr val="FF0000"/>
+                </a:solidFill>
                 <a:sym typeface="Calibri" panose="020F0502020204030204" pitchFamily="34" charset="0"/>
               </a:rPr>
               <a:t>X</a:t>
             </a:r>
             <a:r>
               <a:rPr lang="en-US" altLang="zh-CN" dirty="0">
+                <a:solidFill>
+                  <a:srgbClr val="FF0000"/>
+                </a:solidFill>
                 <a:sym typeface="Calibri" panose="020F0502020204030204" pitchFamily="34" charset="0"/>
               </a:rPr>
               <a:t>→→</a:t>
             </a:r>
             <a:r>
               <a:rPr lang="en-US" altLang="zh-CN" i="1" dirty="0">
+                <a:solidFill>
+                  <a:srgbClr val="FF0000"/>
+                </a:solidFill>
                 <a:sym typeface="Calibri" panose="020F0502020204030204" pitchFamily="34" charset="0"/>
               </a:rPr>
               <a:t>Y</a:t>
@@ -40859,15 +40880,27 @@
             </a:r>
             <a:r>
               <a:rPr lang="en-US" altLang="zh-CN" i="1" dirty="0">
+                <a:highlight>
+                  <a:srgbClr val="FFFF00"/>
+                </a:highlight>
                 <a:sym typeface="Calibri" panose="020F0502020204030204" pitchFamily="34" charset="0"/>
               </a:rPr>
               <a:t>X</a:t>
             </a:r>
             <a:r>
               <a:rPr lang="zh-CN" altLang="en-US" dirty="0">
-                <a:sym typeface="Calibri" panose="020F0502020204030204" pitchFamily="34" charset="0"/>
-              </a:rPr>
-              <a:t>都含有码，则</a:t>
+                <a:highlight>
+                  <a:srgbClr val="FFFF00"/>
+                </a:highlight>
+                <a:sym typeface="Calibri" panose="020F0502020204030204" pitchFamily="34" charset="0"/>
+              </a:rPr>
+              <a:t>都含有码</a:t>
+            </a:r>
+            <a:r>
+              <a:rPr lang="zh-CN" altLang="en-US" dirty="0">
+                <a:sym typeface="Calibri" panose="020F0502020204030204" pitchFamily="34" charset="0"/>
+              </a:rPr>
+              <a:t>，则</a:t>
             </a:r>
             <a:r>
               <a:rPr lang="en-US" altLang="zh-CN" i="1" dirty="0">
@@ -42658,6 +42691,1365 @@
       </p:grpSpPr>
       <p:sp>
         <p:nvSpPr>
+          <p:cNvPr id="2" name="标题 1">
+            <a:extLst>
+              <a:ext uri="{FF2B5EF4-FFF2-40B4-BE49-F238E27FC236}">
+                <a16:creationId xmlns:a16="http://schemas.microsoft.com/office/drawing/2014/main" id="{125A0DB4-1A9C-4714-B527-A3FAAB6920E8}"/>
+              </a:ext>
+            </a:extLst>
+          </p:cNvPr>
+          <p:cNvSpPr>
+            <a:spLocks noGrp="1"/>
+          </p:cNvSpPr>
+          <p:nvPr>
+            <p:ph type="title"/>
+          </p:nvPr>
+        </p:nvSpPr>
+        <p:spPr/>
+        <p:txBody>
+          <a:bodyPr/>
+          <a:lstStyle/>
+          <a:p>
+            <a:endParaRPr lang="zh-CN" altLang="en-US"/>
+          </a:p>
+        </p:txBody>
+      </p:sp>
+      <p:sp>
+        <p:nvSpPr>
+          <p:cNvPr id="3" name="内容占位符 2">
+            <a:extLst>
+              <a:ext uri="{FF2B5EF4-FFF2-40B4-BE49-F238E27FC236}">
+                <a16:creationId xmlns:a16="http://schemas.microsoft.com/office/drawing/2014/main" id="{F39ED6BA-DE07-429F-B440-19FCE629CAD8}"/>
+              </a:ext>
+            </a:extLst>
+          </p:cNvPr>
+          <p:cNvSpPr>
+            <a:spLocks noGrp="1"/>
+          </p:cNvSpPr>
+          <p:nvPr>
+            <p:ph idx="1"/>
+          </p:nvPr>
+        </p:nvSpPr>
+        <p:spPr/>
+        <p:txBody>
+          <a:bodyPr/>
+          <a:lstStyle/>
+          <a:p>
+            <a:pPr marL="0" indent="0">
+              <a:buNone/>
+            </a:pPr>
+            <a:r>
+              <a:rPr lang="en-US" altLang="zh-CN" dirty="0"/>
+              <a:t>【</a:t>
+            </a:r>
+            <a:r>
+              <a:rPr lang="zh-CN" altLang="zh-CN" dirty="0"/>
+              <a:t>例</a:t>
+            </a:r>
+            <a:r>
+              <a:rPr lang="en-US" altLang="zh-CN" dirty="0"/>
+              <a:t> 1】</a:t>
+            </a:r>
+          </a:p>
+          <a:p>
+            <a:pPr marL="0" indent="0">
+              <a:buNone/>
+            </a:pPr>
+            <a:r>
+              <a:rPr lang="zh-CN" altLang="zh-CN" dirty="0"/>
+              <a:t>设关系模式</a:t>
+            </a:r>
+            <a:r>
+              <a:rPr lang="en-US" altLang="zh-CN" dirty="0"/>
+              <a:t> U=(A , B , C , D ),</a:t>
+            </a:r>
+          </a:p>
+          <a:p>
+            <a:pPr marL="0" indent="0">
+              <a:buNone/>
+            </a:pPr>
+            <a:r>
+              <a:rPr lang="zh-CN" altLang="zh-CN" dirty="0"/>
+              <a:t>函数依赖集</a:t>
+            </a:r>
+            <a:r>
+              <a:rPr lang="en-US" altLang="zh-CN" dirty="0"/>
+              <a:t> </a:t>
+            </a:r>
+          </a:p>
+          <a:p>
+            <a:pPr marL="0" indent="0">
+              <a:buNone/>
+            </a:pPr>
+            <a:r>
+              <a:rPr lang="en-US" altLang="zh-CN" dirty="0"/>
+              <a:t>F={D→ B , B → D , AD → B , AC → D}, </a:t>
+            </a:r>
+          </a:p>
+          <a:p>
+            <a:pPr marL="0" indent="0">
+              <a:buNone/>
+            </a:pPr>
+            <a:r>
+              <a:rPr lang="zh-CN" altLang="zh-CN" dirty="0"/>
+              <a:t>求</a:t>
+            </a:r>
+            <a:r>
+              <a:rPr lang="en-US" altLang="zh-CN" dirty="0"/>
+              <a:t> U </a:t>
+            </a:r>
+            <a:r>
+              <a:rPr lang="zh-CN" altLang="zh-CN" dirty="0"/>
+              <a:t>的候 选码。</a:t>
+            </a:r>
+            <a:endParaRPr lang="zh-CN" altLang="zh-CN" sz="4000" dirty="0"/>
+          </a:p>
+          <a:p>
+            <a:pPr marL="0" indent="0">
+              <a:buNone/>
+            </a:pPr>
+            <a:r>
+              <a:rPr lang="zh-CN" altLang="zh-CN" dirty="0"/>
+              <a:t>解</a:t>
+            </a:r>
+            <a:r>
+              <a:rPr lang="zh-CN" altLang="en-US" dirty="0"/>
+              <a:t>：</a:t>
+            </a:r>
+            <a:endParaRPr lang="en-US" altLang="zh-CN" dirty="0"/>
+          </a:p>
+          <a:p>
+            <a:pPr marL="0" indent="0">
+              <a:buNone/>
+            </a:pPr>
+            <a:r>
+              <a:rPr lang="en-US" altLang="zh-CN" sz="1600" dirty="0"/>
+              <a:t>(1) L=(A , C ), R=</a:t>
+            </a:r>
+            <a:r>
+              <a:rPr lang="zh-CN" altLang="en-US" sz="1600" dirty="0"/>
+              <a:t>空</a:t>
+            </a:r>
+            <a:r>
+              <a:rPr lang="en-US" altLang="zh-CN" sz="1600" dirty="0"/>
+              <a:t>, LR=(B , D ), N=</a:t>
+            </a:r>
+            <a:r>
+              <a:rPr lang="zh-CN" altLang="en-US" sz="1600" dirty="0"/>
+              <a:t>空</a:t>
+            </a:r>
+            <a:r>
+              <a:rPr lang="en-US" altLang="zh-CN" sz="1600" dirty="0"/>
+              <a:t>;</a:t>
+            </a:r>
+          </a:p>
+          <a:p>
+            <a:pPr marL="0" indent="0">
+              <a:buNone/>
+            </a:pPr>
+            <a:r>
+              <a:rPr lang="en-US" altLang="zh-CN" sz="1600" dirty="0"/>
+              <a:t>(2) L </a:t>
+            </a:r>
+            <a:r>
+              <a:rPr lang="zh-CN" altLang="zh-CN" sz="1600" dirty="0"/>
+              <a:t>∪</a:t>
+            </a:r>
+            <a:r>
+              <a:rPr lang="en-US" altLang="zh-CN" sz="1600" dirty="0"/>
+              <a:t> N=(A , C ),</a:t>
+            </a:r>
+            <a:r>
+              <a:rPr lang="zh-CN" altLang="zh-CN" sz="1600" dirty="0"/>
+              <a:t>因为</a:t>
+            </a:r>
+            <a:r>
+              <a:rPr lang="en-US" altLang="zh-CN" sz="1600" dirty="0"/>
+              <a:t>(AC ) +=ACBD=U, </a:t>
+            </a:r>
+          </a:p>
+          <a:p>
+            <a:pPr marL="0" indent="0">
+              <a:buNone/>
+            </a:pPr>
+            <a:r>
+              <a:rPr lang="en-US" altLang="zh-CN" dirty="0">
+                <a:solidFill>
+                  <a:srgbClr val="FF0000"/>
+                </a:solidFill>
+              </a:rPr>
+              <a:t>     AC </a:t>
+            </a:r>
+            <a:r>
+              <a:rPr lang="zh-CN" altLang="zh-CN" dirty="0">
+                <a:solidFill>
+                  <a:srgbClr val="FF0000"/>
+                </a:solidFill>
+              </a:rPr>
+              <a:t>是唯一候选码</a:t>
+            </a:r>
+            <a:endParaRPr lang="zh-CN" altLang="zh-CN" sz="4000" dirty="0"/>
+          </a:p>
+          <a:p>
+            <a:endParaRPr lang="zh-CN" altLang="en-US" dirty="0"/>
+          </a:p>
+        </p:txBody>
+      </p:sp>
+    </p:spTree>
+    <p:extLst>
+      <p:ext uri="{BB962C8B-B14F-4D97-AF65-F5344CB8AC3E}">
+        <p14:creationId xmlns:p14="http://schemas.microsoft.com/office/powerpoint/2010/main" val="1344607121"/>
+      </p:ext>
+    </p:extLst>
+  </p:cSld>
+  <p:clrMapOvr>
+    <a:masterClrMapping/>
+  </p:clrMapOvr>
+</p:sld>
+</file>
+
+<file path=ppt/slides/slide63.xml><?xml version="1.0" encoding="utf-8"?>
+<p:sld xmlns:a="http://schemas.openxmlformats.org/drawingml/2006/main" xmlns:r="http://schemas.openxmlformats.org/officeDocument/2006/relationships" xmlns:p="http://schemas.openxmlformats.org/presentationml/2006/main">
+  <p:cSld>
+    <p:spTree>
+      <p:nvGrpSpPr>
+        <p:cNvPr id="1" name=""/>
+        <p:cNvGrpSpPr/>
+        <p:nvPr/>
+      </p:nvGrpSpPr>
+      <p:grpSpPr>
+        <a:xfrm>
+          <a:off x="0" y="0"/>
+          <a:ext cx="0" cy="0"/>
+          <a:chOff x="0" y="0"/>
+          <a:chExt cx="0" cy="0"/>
+        </a:xfrm>
+      </p:grpSpPr>
+      <p:sp>
+        <p:nvSpPr>
+          <p:cNvPr id="2" name="标题 1">
+            <a:extLst>
+              <a:ext uri="{FF2B5EF4-FFF2-40B4-BE49-F238E27FC236}">
+                <a16:creationId xmlns:a16="http://schemas.microsoft.com/office/drawing/2014/main" id="{07DA3818-FD25-4B15-9C3D-59696D00C865}"/>
+              </a:ext>
+            </a:extLst>
+          </p:cNvPr>
+          <p:cNvSpPr>
+            <a:spLocks noGrp="1"/>
+          </p:cNvSpPr>
+          <p:nvPr>
+            <p:ph type="title"/>
+          </p:nvPr>
+        </p:nvSpPr>
+        <p:spPr/>
+        <p:txBody>
+          <a:bodyPr/>
+          <a:lstStyle/>
+          <a:p>
+            <a:endParaRPr lang="zh-CN" altLang="en-US"/>
+          </a:p>
+        </p:txBody>
+      </p:sp>
+      <p:sp>
+        <p:nvSpPr>
+          <p:cNvPr id="3" name="内容占位符 2">
+            <a:extLst>
+              <a:ext uri="{FF2B5EF4-FFF2-40B4-BE49-F238E27FC236}">
+                <a16:creationId xmlns:a16="http://schemas.microsoft.com/office/drawing/2014/main" id="{2EFB9CCE-26CD-4DA6-AB69-DAC59E7AE0D5}"/>
+              </a:ext>
+            </a:extLst>
+          </p:cNvPr>
+          <p:cNvSpPr>
+            <a:spLocks noGrp="1"/>
+          </p:cNvSpPr>
+          <p:nvPr>
+            <p:ph idx="1"/>
+          </p:nvPr>
+        </p:nvSpPr>
+        <p:spPr>
+          <a:xfrm>
+            <a:off x="457200" y="1339850"/>
+            <a:ext cx="8229600" cy="5041355"/>
+          </a:xfrm>
+        </p:spPr>
+        <p:txBody>
+          <a:bodyPr/>
+          <a:lstStyle/>
+          <a:p>
+            <a:pPr marL="0" indent="0">
+              <a:buNone/>
+              <a:defRPr/>
+            </a:pPr>
+            <a:r>
+              <a:rPr lang="en-US" altLang="zh-CN" dirty="0"/>
+              <a:t>【</a:t>
+            </a:r>
+            <a:r>
+              <a:rPr lang="zh-CN" altLang="en-US" dirty="0"/>
+              <a:t>例</a:t>
+            </a:r>
+            <a:r>
+              <a:rPr lang="en-US" altLang="zh-CN" dirty="0"/>
+              <a:t>2】</a:t>
+            </a:r>
+          </a:p>
+          <a:p>
+            <a:pPr marL="0" indent="0">
+              <a:buNone/>
+              <a:defRPr/>
+            </a:pPr>
+            <a:r>
+              <a:rPr lang="en-US" altLang="zh-CN" dirty="0"/>
+              <a:t>R&lt;U,F&gt;,U=(A,B,C,D,E,G),</a:t>
+            </a:r>
+          </a:p>
+          <a:p>
+            <a:pPr marL="0" indent="0">
+              <a:buNone/>
+              <a:defRPr/>
+            </a:pPr>
+            <a:r>
+              <a:rPr lang="en-US" altLang="zh-CN" dirty="0"/>
+              <a:t>F={AB-&gt;C,CD-&gt;E,E-&gt;A</a:t>
+            </a:r>
+            <a:r>
+              <a:rPr lang="zh-CN" altLang="en-US" dirty="0"/>
+              <a:t>，</a:t>
+            </a:r>
+            <a:r>
+              <a:rPr lang="en-US" altLang="zh-CN" dirty="0"/>
+              <a:t>A-&gt;G},</a:t>
+            </a:r>
+          </a:p>
+          <a:p>
+            <a:pPr marL="0" indent="0">
+              <a:buNone/>
+              <a:defRPr/>
+            </a:pPr>
+            <a:r>
+              <a:rPr lang="zh-CN" altLang="en-US" dirty="0"/>
+              <a:t>求候选码。</a:t>
+            </a:r>
+            <a:endParaRPr lang="en-US" altLang="zh-CN" dirty="0"/>
+          </a:p>
+          <a:p>
+            <a:pPr marL="0" indent="0">
+              <a:buNone/>
+            </a:pPr>
+            <a:r>
+              <a:rPr lang="zh-CN" altLang="zh-CN" dirty="0"/>
+              <a:t>解</a:t>
+            </a:r>
+            <a:r>
+              <a:rPr lang="en-US" altLang="zh-CN" sz="1600" dirty="0"/>
+              <a:t>(1) L=(B,D), R=(G), LR=(A,C,E ), N=</a:t>
+            </a:r>
+            <a:r>
+              <a:rPr lang="zh-CN" altLang="en-US" sz="1600" dirty="0"/>
+              <a:t>空</a:t>
+            </a:r>
+            <a:r>
+              <a:rPr lang="en-US" altLang="zh-CN" sz="1600" dirty="0"/>
+              <a:t>;</a:t>
+            </a:r>
+          </a:p>
+          <a:p>
+            <a:pPr marL="0" indent="0">
+              <a:buNone/>
+            </a:pPr>
+            <a:r>
+              <a:rPr lang="en-US" altLang="zh-CN" sz="1600" dirty="0"/>
+              <a:t>       (2) L </a:t>
+            </a:r>
+            <a:r>
+              <a:rPr lang="zh-CN" altLang="zh-CN" sz="1600" dirty="0"/>
+              <a:t>∪</a:t>
+            </a:r>
+            <a:r>
+              <a:rPr lang="en-US" altLang="zh-CN" sz="1600" dirty="0"/>
+              <a:t> N=(B,D) BD</a:t>
+            </a:r>
+            <a:r>
+              <a:rPr lang="en-US" altLang="zh-CN" sz="1600" baseline="30000" dirty="0"/>
+              <a:t>+</a:t>
+            </a:r>
+            <a:r>
+              <a:rPr lang="en-US" altLang="zh-CN" sz="1600" dirty="0"/>
+              <a:t>=BD;</a:t>
+            </a:r>
+            <a:endParaRPr lang="zh-CN" altLang="zh-CN" sz="1600" dirty="0"/>
+          </a:p>
+          <a:p>
+            <a:pPr marL="0" indent="0">
+              <a:buNone/>
+            </a:pPr>
+            <a:r>
+              <a:rPr lang="en-US" altLang="zh-CN" sz="1600" dirty="0"/>
+              <a:t>       (3)ABD</a:t>
+            </a:r>
+            <a:r>
+              <a:rPr lang="zh-CN" altLang="en-US" sz="1600" dirty="0"/>
+              <a:t>：</a:t>
+            </a:r>
+            <a:r>
+              <a:rPr lang="en-US" altLang="zh-CN" sz="1600" dirty="0"/>
+              <a:t>AB--&gt;C,CD--&gt;E,A--&gt;G,</a:t>
+            </a:r>
+          </a:p>
+          <a:p>
+            <a:pPr marL="0" indent="0">
+              <a:buNone/>
+            </a:pPr>
+            <a:r>
+              <a:rPr lang="en-US" altLang="zh-CN" sz="1600" dirty="0"/>
+              <a:t>                     </a:t>
+            </a:r>
+            <a:r>
+              <a:rPr lang="zh-CN" altLang="en-US" sz="1600" dirty="0"/>
+              <a:t>所以</a:t>
+            </a:r>
+            <a:r>
+              <a:rPr lang="en-US" altLang="zh-CN" sz="1600" dirty="0"/>
+              <a:t>ABD</a:t>
+            </a:r>
+            <a:r>
+              <a:rPr lang="en-US" altLang="zh-CN" sz="1600" baseline="30000" dirty="0"/>
+              <a:t> +</a:t>
+            </a:r>
+            <a:r>
+              <a:rPr lang="en-US" altLang="zh-CN" sz="1600" dirty="0"/>
+              <a:t>= ABDCEG=U</a:t>
+            </a:r>
+            <a:br>
+              <a:rPr lang="en-US" altLang="zh-CN" sz="1600" dirty="0"/>
+            </a:br>
+            <a:r>
+              <a:rPr lang="en-US" altLang="zh-CN" sz="1600" dirty="0"/>
+              <a:t>  </a:t>
+            </a:r>
+            <a:r>
+              <a:rPr lang="zh-CN" altLang="en-US" sz="1600" dirty="0"/>
+              <a:t>         </a:t>
+            </a:r>
+            <a:r>
+              <a:rPr lang="en-US" altLang="zh-CN" sz="1600" dirty="0"/>
+              <a:t>BDC</a:t>
+            </a:r>
+            <a:r>
+              <a:rPr lang="zh-CN" altLang="en-US" sz="1600" dirty="0"/>
+              <a:t>：</a:t>
+            </a:r>
+            <a:r>
+              <a:rPr lang="en-US" altLang="zh-CN" sz="1600" dirty="0"/>
+              <a:t>CD--&gt;E,E--&gt;A,A--&gt; G</a:t>
+            </a:r>
+          </a:p>
+          <a:p>
+            <a:pPr marL="0" indent="0">
+              <a:buNone/>
+            </a:pPr>
+            <a:r>
+              <a:rPr lang="zh-CN" altLang="en-US" sz="1600" dirty="0"/>
+              <a:t>                    所以</a:t>
+            </a:r>
+            <a:r>
+              <a:rPr lang="en-US" altLang="zh-CN" sz="1600" dirty="0"/>
+              <a:t>BDC</a:t>
+            </a:r>
+            <a:r>
+              <a:rPr lang="en-US" altLang="zh-CN" sz="1600" baseline="30000" dirty="0"/>
+              <a:t> +</a:t>
+            </a:r>
+            <a:r>
+              <a:rPr lang="en-US" altLang="zh-CN" sz="1600" dirty="0"/>
+              <a:t>= BDCEAG=U</a:t>
+            </a:r>
+            <a:br>
+              <a:rPr lang="en-US" altLang="zh-CN" sz="1600" dirty="0"/>
+            </a:br>
+            <a:r>
+              <a:rPr lang="en-US" altLang="zh-CN" sz="1600" dirty="0"/>
+              <a:t>           BDE</a:t>
+            </a:r>
+            <a:r>
+              <a:rPr lang="zh-CN" altLang="en-US" sz="1600" dirty="0"/>
+              <a:t>：</a:t>
+            </a:r>
+            <a:r>
+              <a:rPr lang="en-US" altLang="zh-CN" sz="1600" dirty="0"/>
+              <a:t>E--&gt;A,A--&gt;G,AB--&gt;C,</a:t>
+            </a:r>
+          </a:p>
+          <a:p>
+            <a:pPr marL="0" indent="0">
+              <a:buNone/>
+            </a:pPr>
+            <a:r>
+              <a:rPr lang="en-US" altLang="zh-CN" sz="1600" dirty="0"/>
+              <a:t>                  </a:t>
+            </a:r>
+            <a:r>
+              <a:rPr lang="zh-CN" altLang="en-US" sz="1600" dirty="0"/>
+              <a:t>所以</a:t>
+            </a:r>
+            <a:r>
+              <a:rPr lang="en-US" altLang="zh-CN" sz="1600" dirty="0"/>
+              <a:t>BDE</a:t>
+            </a:r>
+            <a:r>
+              <a:rPr lang="en-US" altLang="zh-CN" sz="1600" baseline="30000" dirty="0"/>
+              <a:t> +</a:t>
+            </a:r>
+            <a:r>
+              <a:rPr lang="en-US" altLang="zh-CN" sz="1600" dirty="0"/>
+              <a:t>= BDEAGC=U</a:t>
+            </a:r>
+          </a:p>
+          <a:p>
+            <a:pPr marL="0" indent="0">
+              <a:buNone/>
+            </a:pPr>
+            <a:r>
+              <a:rPr lang="zh-CN" altLang="en-US" dirty="0">
+                <a:solidFill>
+                  <a:srgbClr val="FF0000"/>
+                </a:solidFill>
+              </a:rPr>
+              <a:t>候选码有</a:t>
+            </a:r>
+            <a:r>
+              <a:rPr lang="en-US" altLang="zh-CN" dirty="0">
+                <a:solidFill>
+                  <a:srgbClr val="FF0000"/>
+                </a:solidFill>
+              </a:rPr>
+              <a:t>3</a:t>
+            </a:r>
+            <a:r>
+              <a:rPr lang="zh-CN" altLang="en-US" dirty="0">
+                <a:solidFill>
+                  <a:srgbClr val="FF0000"/>
+                </a:solidFill>
+              </a:rPr>
+              <a:t>个分别是</a:t>
+            </a:r>
+            <a:r>
+              <a:rPr lang="en-US" altLang="zh-CN" dirty="0">
+                <a:solidFill>
+                  <a:srgbClr val="FF0000"/>
+                </a:solidFill>
+              </a:rPr>
+              <a:t>ABD</a:t>
+            </a:r>
+            <a:r>
+              <a:rPr lang="zh-CN" altLang="en-US" dirty="0">
+                <a:solidFill>
+                  <a:srgbClr val="FF0000"/>
+                </a:solidFill>
+              </a:rPr>
+              <a:t>、</a:t>
+            </a:r>
+            <a:r>
+              <a:rPr lang="en-US" altLang="zh-CN" dirty="0">
+                <a:solidFill>
+                  <a:srgbClr val="FF0000"/>
+                </a:solidFill>
+              </a:rPr>
+              <a:t>BCD</a:t>
+            </a:r>
+            <a:r>
+              <a:rPr lang="zh-CN" altLang="en-US" dirty="0">
+                <a:solidFill>
+                  <a:srgbClr val="FF0000"/>
+                </a:solidFill>
+              </a:rPr>
+              <a:t>和</a:t>
+            </a:r>
+            <a:r>
+              <a:rPr lang="en-US" altLang="zh-CN" dirty="0">
+                <a:solidFill>
+                  <a:srgbClr val="FF0000"/>
+                </a:solidFill>
+              </a:rPr>
+              <a:t>BDE</a:t>
+            </a:r>
+            <a:endParaRPr lang="zh-CN" altLang="en-US" dirty="0">
+              <a:solidFill>
+                <a:srgbClr val="FF0000"/>
+              </a:solidFill>
+            </a:endParaRPr>
+          </a:p>
+        </p:txBody>
+      </p:sp>
+    </p:spTree>
+    <p:extLst>
+      <p:ext uri="{BB962C8B-B14F-4D97-AF65-F5344CB8AC3E}">
+        <p14:creationId xmlns:p14="http://schemas.microsoft.com/office/powerpoint/2010/main" val="1850079028"/>
+      </p:ext>
+    </p:extLst>
+  </p:cSld>
+  <p:clrMapOvr>
+    <a:masterClrMapping/>
+  </p:clrMapOvr>
+</p:sld>
+</file>
+
+<file path=ppt/slides/slide64.xml><?xml version="1.0" encoding="utf-8"?>
+<p:sld xmlns:a="http://schemas.openxmlformats.org/drawingml/2006/main" xmlns:r="http://schemas.openxmlformats.org/officeDocument/2006/relationships" xmlns:p="http://schemas.openxmlformats.org/presentationml/2006/main">
+  <p:cSld>
+    <p:spTree>
+      <p:nvGrpSpPr>
+        <p:cNvPr id="1" name=""/>
+        <p:cNvGrpSpPr/>
+        <p:nvPr/>
+      </p:nvGrpSpPr>
+      <p:grpSpPr>
+        <a:xfrm>
+          <a:off x="0" y="0"/>
+          <a:ext cx="0" cy="0"/>
+          <a:chOff x="0" y="0"/>
+          <a:chExt cx="0" cy="0"/>
+        </a:xfrm>
+      </p:grpSpPr>
+      <p:sp>
+        <p:nvSpPr>
+          <p:cNvPr id="2" name="标题 1">
+            <a:extLst>
+              <a:ext uri="{FF2B5EF4-FFF2-40B4-BE49-F238E27FC236}">
+                <a16:creationId xmlns:a16="http://schemas.microsoft.com/office/drawing/2014/main" id="{EB62D6D6-A10D-4F47-8B03-CE1301A3B8C2}"/>
+              </a:ext>
+            </a:extLst>
+          </p:cNvPr>
+          <p:cNvSpPr>
+            <a:spLocks noGrp="1"/>
+          </p:cNvSpPr>
+          <p:nvPr>
+            <p:ph type="title"/>
+          </p:nvPr>
+        </p:nvSpPr>
+        <p:spPr/>
+        <p:txBody>
+          <a:bodyPr/>
+          <a:lstStyle/>
+          <a:p>
+            <a:endParaRPr lang="zh-CN" altLang="en-US"/>
+          </a:p>
+        </p:txBody>
+      </p:sp>
+      <p:sp>
+        <p:nvSpPr>
+          <p:cNvPr id="3" name="内容占位符 2">
+            <a:extLst>
+              <a:ext uri="{FF2B5EF4-FFF2-40B4-BE49-F238E27FC236}">
+                <a16:creationId xmlns:a16="http://schemas.microsoft.com/office/drawing/2014/main" id="{798D2A05-DDAC-4ACB-AAAE-6654F12ED5EF}"/>
+              </a:ext>
+            </a:extLst>
+          </p:cNvPr>
+          <p:cNvSpPr>
+            <a:spLocks noGrp="1"/>
+          </p:cNvSpPr>
+          <p:nvPr>
+            <p:ph idx="1"/>
+          </p:nvPr>
+        </p:nvSpPr>
+        <p:spPr>
+          <a:xfrm>
+            <a:off x="457200" y="1124840"/>
+            <a:ext cx="8229600" cy="4854575"/>
+          </a:xfrm>
+        </p:spPr>
+        <p:txBody>
+          <a:bodyPr/>
+          <a:lstStyle/>
+          <a:p>
+            <a:pPr marL="0" indent="0">
+              <a:buNone/>
+            </a:pPr>
+            <a:r>
+              <a:rPr lang="en-US" altLang="zh-CN" dirty="0">
+                <a:highlight>
+                  <a:srgbClr val="FFFF00"/>
+                </a:highlight>
+              </a:rPr>
+              <a:t>【</a:t>
+            </a:r>
+            <a:r>
+              <a:rPr lang="zh-CN" altLang="en-US" dirty="0">
+                <a:highlight>
+                  <a:srgbClr val="FFFF00"/>
+                </a:highlight>
+              </a:rPr>
+              <a:t>例</a:t>
+            </a:r>
+            <a:r>
+              <a:rPr lang="en-US" altLang="zh-CN" dirty="0">
+                <a:highlight>
+                  <a:srgbClr val="FFFF00"/>
+                </a:highlight>
+              </a:rPr>
+              <a:t>3】</a:t>
+            </a:r>
+          </a:p>
+          <a:p>
+            <a:pPr marL="0" indent="0">
+              <a:buNone/>
+            </a:pPr>
+            <a:r>
+              <a:rPr lang="zh-CN" altLang="zh-CN" dirty="0"/>
+              <a:t>设关系模式</a:t>
+            </a:r>
+            <a:r>
+              <a:rPr lang="en-US" altLang="zh-CN" dirty="0"/>
+              <a:t> U=(A , B , C , D , E , F ),</a:t>
+            </a:r>
+          </a:p>
+          <a:p>
+            <a:pPr marL="0" indent="0">
+              <a:buNone/>
+            </a:pPr>
+            <a:r>
+              <a:rPr lang="zh-CN" altLang="zh-CN" dirty="0"/>
+              <a:t>函数依赖集</a:t>
+            </a:r>
+            <a:endParaRPr lang="en-US" altLang="zh-CN" dirty="0"/>
+          </a:p>
+          <a:p>
+            <a:pPr marL="0" indent="0">
+              <a:buNone/>
+            </a:pPr>
+            <a:r>
+              <a:rPr lang="en-US" altLang="zh-CN" dirty="0"/>
+              <a:t> F={A→ BC , BC → A , BCD → EF , E → C}, </a:t>
+            </a:r>
+          </a:p>
+          <a:p>
+            <a:pPr marL="0" indent="0">
+              <a:buNone/>
+            </a:pPr>
+            <a:r>
+              <a:rPr lang="zh-CN" altLang="zh-CN" dirty="0"/>
+              <a:t>求</a:t>
+            </a:r>
+            <a:r>
+              <a:rPr lang="en-US" altLang="zh-CN" dirty="0"/>
+              <a:t> R </a:t>
+            </a:r>
+            <a:r>
+              <a:rPr lang="zh-CN" altLang="zh-CN" dirty="0"/>
+              <a:t>的候选码。</a:t>
+            </a:r>
+            <a:endParaRPr lang="zh-CN" altLang="zh-CN" sz="4000" dirty="0"/>
+          </a:p>
+          <a:p>
+            <a:pPr marL="0" indent="0">
+              <a:buNone/>
+            </a:pPr>
+            <a:r>
+              <a:rPr lang="zh-CN" altLang="zh-CN" dirty="0"/>
+              <a:t>解</a:t>
+            </a:r>
+            <a:r>
+              <a:rPr lang="en-US" altLang="zh-CN" sz="1600" dirty="0"/>
+              <a:t>(1) L=(D ), R=(F ), LR=(A , B , C , E ), N=</a:t>
+            </a:r>
+            <a:r>
+              <a:rPr lang="zh-CN" altLang="en-US" sz="1600" dirty="0"/>
+              <a:t>空</a:t>
+            </a:r>
+            <a:r>
+              <a:rPr lang="en-US" altLang="zh-CN" sz="1600" dirty="0"/>
+              <a:t>;</a:t>
+            </a:r>
+            <a:endParaRPr lang="zh-CN" altLang="zh-CN" sz="1600" dirty="0"/>
+          </a:p>
+          <a:p>
+            <a:pPr marL="0" indent="0">
+              <a:buNone/>
+            </a:pPr>
+            <a:r>
+              <a:rPr lang="en-US" altLang="zh-CN" sz="1600" dirty="0"/>
+              <a:t>      (2) L</a:t>
+            </a:r>
+            <a:r>
+              <a:rPr lang="zh-CN" altLang="zh-CN" sz="1600" dirty="0"/>
+              <a:t>∪</a:t>
+            </a:r>
+            <a:r>
+              <a:rPr lang="en-US" altLang="zh-CN" sz="1600" dirty="0"/>
+              <a:t>N=(D ) D</a:t>
+            </a:r>
+            <a:r>
+              <a:rPr lang="en-US" altLang="zh-CN" sz="1600" baseline="30000" dirty="0"/>
+              <a:t>+</a:t>
+            </a:r>
+            <a:r>
+              <a:rPr lang="en-US" altLang="zh-CN" sz="1600" dirty="0"/>
+              <a:t>=D;</a:t>
+            </a:r>
+            <a:endParaRPr lang="zh-CN" altLang="zh-CN" sz="1600" dirty="0"/>
+          </a:p>
+          <a:p>
+            <a:pPr marL="0" indent="0">
+              <a:buNone/>
+            </a:pPr>
+            <a:r>
+              <a:rPr lang="en-US" altLang="zh-CN" sz="1600" dirty="0"/>
+              <a:t>      (3)</a:t>
+            </a:r>
+            <a:r>
+              <a:rPr lang="zh-CN" altLang="zh-CN" sz="1600" dirty="0"/>
+              <a:t>因为</a:t>
+            </a:r>
+            <a:r>
+              <a:rPr lang="en-US" altLang="zh-CN" sz="1600" dirty="0"/>
+              <a:t> DA</a:t>
+            </a:r>
+            <a:r>
+              <a:rPr lang="en-US" altLang="zh-CN" sz="1600" baseline="30000" dirty="0"/>
+              <a:t>+</a:t>
+            </a:r>
+            <a:r>
+              <a:rPr lang="en-US" altLang="zh-CN" sz="1600" dirty="0"/>
+              <a:t>=DABCEF=U, DB</a:t>
+            </a:r>
+            <a:r>
+              <a:rPr lang="en-US" altLang="zh-CN" sz="1600" baseline="30000" dirty="0"/>
+              <a:t>+</a:t>
+            </a:r>
+            <a:r>
+              <a:rPr lang="en-US" altLang="zh-CN" sz="1600" dirty="0"/>
+              <a:t>=DB DC</a:t>
+            </a:r>
+            <a:r>
+              <a:rPr lang="en-US" altLang="zh-CN" sz="1600" baseline="30000" dirty="0"/>
+              <a:t>+</a:t>
+            </a:r>
+            <a:r>
+              <a:rPr lang="en-US" altLang="zh-CN" sz="1600" dirty="0"/>
+              <a:t>=DC, DE</a:t>
+            </a:r>
+            <a:r>
+              <a:rPr lang="en-US" altLang="zh-CN" sz="1600" baseline="30000" dirty="0"/>
+              <a:t>+</a:t>
+            </a:r>
+            <a:r>
+              <a:rPr lang="en-US" altLang="zh-CN" sz="1600" dirty="0"/>
+              <a:t>=DEC, </a:t>
+            </a:r>
+            <a:r>
+              <a:rPr lang="zh-CN" altLang="zh-CN" sz="1600" dirty="0"/>
+              <a:t>所以</a:t>
+            </a:r>
+            <a:r>
+              <a:rPr lang="en-US" altLang="zh-CN" sz="1600" dirty="0"/>
+              <a:t> DA </a:t>
+            </a:r>
+            <a:r>
+              <a:rPr lang="zh-CN" altLang="zh-CN" sz="1600" dirty="0"/>
+              <a:t>是候选码</a:t>
+            </a:r>
+            <a:r>
+              <a:rPr lang="en-US" altLang="zh-CN" sz="1600" dirty="0"/>
+              <a:t>;</a:t>
+            </a:r>
+            <a:endParaRPr lang="zh-CN" altLang="zh-CN" sz="1600" dirty="0"/>
+          </a:p>
+          <a:p>
+            <a:pPr marL="0" indent="0">
+              <a:buNone/>
+            </a:pPr>
+            <a:r>
+              <a:rPr lang="en-US" altLang="zh-CN" sz="1600" dirty="0"/>
+              <a:t>      (4) </a:t>
+            </a:r>
+            <a:r>
+              <a:rPr lang="zh-CN" altLang="zh-CN" sz="1600" dirty="0"/>
+              <a:t>因为</a:t>
+            </a:r>
+            <a:r>
+              <a:rPr lang="en-US" altLang="zh-CN" sz="1600" dirty="0"/>
+              <a:t> DBC+=DBCAEF=U, DBE</a:t>
+            </a:r>
+            <a:r>
+              <a:rPr lang="en-US" altLang="zh-CN" sz="1600" baseline="30000" dirty="0"/>
+              <a:t>+</a:t>
+            </a:r>
+            <a:r>
+              <a:rPr lang="en-US" altLang="zh-CN" sz="1600" dirty="0"/>
+              <a:t>=DBECAF=U, DCE</a:t>
+            </a:r>
+            <a:r>
+              <a:rPr lang="en-US" altLang="zh-CN" sz="1600" baseline="30000" dirty="0"/>
+              <a:t>+</a:t>
+            </a:r>
+            <a:r>
+              <a:rPr lang="en-US" altLang="zh-CN" sz="1600" dirty="0"/>
+              <a:t>=DCE, </a:t>
+            </a:r>
+            <a:r>
+              <a:rPr lang="zh-CN" altLang="zh-CN" sz="1600" dirty="0"/>
+              <a:t>所以</a:t>
+            </a:r>
+            <a:r>
+              <a:rPr lang="en-US" altLang="zh-CN" sz="1600" dirty="0"/>
+              <a:t> DBC </a:t>
+            </a:r>
+            <a:r>
+              <a:rPr lang="zh-CN" altLang="zh-CN" sz="1600" dirty="0"/>
+              <a:t>、</a:t>
+            </a:r>
+            <a:r>
+              <a:rPr lang="en-US" altLang="zh-CN" sz="1600" dirty="0"/>
+              <a:t> DBE </a:t>
+            </a:r>
+            <a:r>
+              <a:rPr lang="zh-CN" altLang="zh-CN" sz="1600" dirty="0"/>
+              <a:t>是候选码</a:t>
+            </a:r>
+            <a:r>
+              <a:rPr lang="en-US" altLang="zh-CN" sz="1600" dirty="0"/>
+              <a:t>;</a:t>
+            </a:r>
+            <a:endParaRPr lang="zh-CN" altLang="zh-CN" sz="1600" dirty="0"/>
+          </a:p>
+          <a:p>
+            <a:pPr marL="0" indent="0">
+              <a:buNone/>
+            </a:pPr>
+            <a:r>
+              <a:rPr lang="en-US" altLang="zh-CN" dirty="0"/>
+              <a:t>   (5) </a:t>
+            </a:r>
+            <a:r>
+              <a:rPr lang="en-US" altLang="zh-CN" dirty="0">
+                <a:solidFill>
+                  <a:srgbClr val="FF0000"/>
+                </a:solidFill>
+              </a:rPr>
+              <a:t>U </a:t>
+            </a:r>
+            <a:r>
+              <a:rPr lang="zh-CN" altLang="zh-CN" dirty="0">
+                <a:solidFill>
+                  <a:srgbClr val="FF0000"/>
+                </a:solidFill>
+              </a:rPr>
+              <a:t>的候选码有</a:t>
+            </a:r>
+            <a:r>
+              <a:rPr lang="en-US" altLang="zh-CN" dirty="0">
+                <a:solidFill>
+                  <a:srgbClr val="FF0000"/>
+                </a:solidFill>
+              </a:rPr>
+              <a:t> </a:t>
+            </a:r>
+            <a:r>
+              <a:rPr lang="en-US" altLang="zh-CN" dirty="0">
+                <a:highlight>
+                  <a:srgbClr val="FFFF00"/>
+                </a:highlight>
+              </a:rPr>
+              <a:t>DA</a:t>
+            </a:r>
+            <a:r>
+              <a:rPr lang="en-US" altLang="zh-CN" dirty="0">
+                <a:solidFill>
+                  <a:srgbClr val="FF0000"/>
+                </a:solidFill>
+                <a:highlight>
+                  <a:srgbClr val="FFFF00"/>
+                </a:highlight>
+              </a:rPr>
+              <a:t> </a:t>
+            </a:r>
+            <a:r>
+              <a:rPr lang="zh-CN" altLang="zh-CN" dirty="0">
+                <a:solidFill>
+                  <a:srgbClr val="FF0000"/>
+                </a:solidFill>
+                <a:highlight>
+                  <a:srgbClr val="FFFF00"/>
+                </a:highlight>
+              </a:rPr>
+              <a:t>、</a:t>
+            </a:r>
+            <a:r>
+              <a:rPr lang="en-US" altLang="zh-CN" dirty="0">
+                <a:solidFill>
+                  <a:srgbClr val="FF0000"/>
+                </a:solidFill>
+                <a:highlight>
+                  <a:srgbClr val="FFFF00"/>
+                </a:highlight>
+              </a:rPr>
+              <a:t> DBC </a:t>
+            </a:r>
+            <a:r>
+              <a:rPr lang="zh-CN" altLang="zh-CN" dirty="0">
+                <a:solidFill>
+                  <a:srgbClr val="FF0000"/>
+                </a:solidFill>
+                <a:highlight>
+                  <a:srgbClr val="FFFF00"/>
+                </a:highlight>
+              </a:rPr>
+              <a:t>、</a:t>
+            </a:r>
+            <a:r>
+              <a:rPr lang="en-US" altLang="zh-CN" dirty="0">
+                <a:solidFill>
+                  <a:srgbClr val="FF0000"/>
+                </a:solidFill>
+                <a:highlight>
+                  <a:srgbClr val="FFFF00"/>
+                </a:highlight>
+              </a:rPr>
+              <a:t> DBE</a:t>
+            </a:r>
+            <a:endParaRPr lang="zh-CN" altLang="zh-CN" sz="4000" dirty="0">
+              <a:solidFill>
+                <a:srgbClr val="FF0000"/>
+              </a:solidFill>
+              <a:highlight>
+                <a:srgbClr val="FFFF00"/>
+              </a:highlight>
+            </a:endParaRPr>
+          </a:p>
+          <a:p>
+            <a:endParaRPr lang="zh-CN" altLang="en-US" dirty="0"/>
+          </a:p>
+        </p:txBody>
+      </p:sp>
+      <p:sp>
+        <p:nvSpPr>
+          <p:cNvPr id="5" name="星形: 五角 4">
+            <a:extLst>
+              <a:ext uri="{FF2B5EF4-FFF2-40B4-BE49-F238E27FC236}">
+                <a16:creationId xmlns:a16="http://schemas.microsoft.com/office/drawing/2014/main" id="{A4B2A85D-6C8E-4688-A060-75B6DFE5880A}"/>
+              </a:ext>
+            </a:extLst>
+          </p:cNvPr>
+          <p:cNvSpPr/>
+          <p:nvPr/>
+        </p:nvSpPr>
+        <p:spPr bwMode="auto">
+          <a:xfrm>
+            <a:off x="6804155" y="1268850"/>
+            <a:ext cx="1728120" cy="1584110"/>
+          </a:xfrm>
+          <a:prstGeom prst="star5">
+            <a:avLst/>
+          </a:prstGeom>
+          <a:noFill/>
+          <a:ln w="9525" cap="flat" cmpd="sng" algn="ctr">
+            <a:noFill/>
+            <a:prstDash val="solid"/>
+            <a:round/>
+            <a:headEnd type="none" w="med" len="med"/>
+            <a:tailEnd type="none" w="med" len="med"/>
+          </a:ln>
+        </p:spPr>
+        <p:txBody>
+          <a:bodyPr vert="horz" wrap="square" lIns="91440" tIns="45720" rIns="91440" bIns="45720" numCol="1" rtlCol="0" anchor="t" anchorCtr="0" compatLnSpc="1"/>
+          <a:lstStyle/>
+          <a:p>
+            <a:pPr marL="0" marR="0" indent="0" algn="l" defTabSz="914400" rtl="0" eaLnBrk="1" fontAlgn="base" latinLnBrk="0" hangingPunct="1">
+              <a:lnSpc>
+                <a:spcPct val="100000"/>
+              </a:lnSpc>
+              <a:spcBef>
+                <a:spcPct val="0"/>
+              </a:spcBef>
+              <a:spcAft>
+                <a:spcPct val="0"/>
+              </a:spcAft>
+              <a:buClrTx/>
+              <a:buSzTx/>
+              <a:buFont typeface="Arial" panose="020B0604020202020204" pitchFamily="34" charset="0"/>
+              <a:buNone/>
+            </a:pPr>
+            <a:endParaRPr kumimoji="0" lang="zh-CN" altLang="en-US" sz="1800" b="0" i="0" u="none" strike="noStrike" cap="none" normalizeH="0" baseline="0">
+              <a:ln>
+                <a:noFill/>
+              </a:ln>
+              <a:solidFill>
+                <a:schemeClr val="tx1"/>
+              </a:solidFill>
+              <a:effectLst/>
+              <a:latin typeface="Arial" panose="020B0604020202020204" pitchFamily="34" charset="0"/>
+              <a:ea typeface="宋体" panose="02010600030101010101" pitchFamily="2" charset="-122"/>
+            </a:endParaRPr>
+          </a:p>
+        </p:txBody>
+      </p:sp>
+      <p:sp>
+        <p:nvSpPr>
+          <p:cNvPr id="6" name="星形: 五角 5">
+            <a:extLst>
+              <a:ext uri="{FF2B5EF4-FFF2-40B4-BE49-F238E27FC236}">
+                <a16:creationId xmlns:a16="http://schemas.microsoft.com/office/drawing/2014/main" id="{B0C6D63C-C732-443F-A4B2-6E467F3925FA}"/>
+              </a:ext>
+            </a:extLst>
+          </p:cNvPr>
+          <p:cNvSpPr/>
+          <p:nvPr/>
+        </p:nvSpPr>
+        <p:spPr bwMode="auto">
+          <a:xfrm>
+            <a:off x="6588140" y="1124840"/>
+            <a:ext cx="914400" cy="914400"/>
+          </a:xfrm>
+          <a:prstGeom prst="star5">
+            <a:avLst>
+              <a:gd name="adj" fmla="val 22716"/>
+              <a:gd name="hf" fmla="val 105146"/>
+              <a:gd name="vf" fmla="val 110557"/>
+            </a:avLst>
+          </a:prstGeom>
+          <a:noFill/>
+          <a:ln w="9525" cap="flat" cmpd="sng" algn="ctr">
+            <a:noFill/>
+            <a:prstDash val="solid"/>
+            <a:round/>
+            <a:headEnd type="none" w="med" len="med"/>
+            <a:tailEnd type="none" w="med" len="med"/>
+          </a:ln>
+        </p:spPr>
+        <p:txBody>
+          <a:bodyPr vert="horz" wrap="square" lIns="91440" tIns="45720" rIns="91440" bIns="45720" numCol="1" rtlCol="0" anchor="t" anchorCtr="0" compatLnSpc="1"/>
+          <a:lstStyle/>
+          <a:p>
+            <a:pPr marL="0" marR="0" indent="0" algn="l" defTabSz="914400" rtl="0" eaLnBrk="1" fontAlgn="base" latinLnBrk="0" hangingPunct="1">
+              <a:lnSpc>
+                <a:spcPct val="100000"/>
+              </a:lnSpc>
+              <a:spcBef>
+                <a:spcPct val="0"/>
+              </a:spcBef>
+              <a:spcAft>
+                <a:spcPct val="0"/>
+              </a:spcAft>
+              <a:buClrTx/>
+              <a:buSzTx/>
+              <a:buFont typeface="Arial" panose="020B0604020202020204" pitchFamily="34" charset="0"/>
+              <a:buNone/>
+            </a:pPr>
+            <a:endParaRPr kumimoji="0" lang="zh-CN" altLang="en-US" sz="1800" b="0" i="0" u="none" strike="noStrike" cap="none" normalizeH="0" baseline="0">
+              <a:ln>
+                <a:noFill/>
+              </a:ln>
+              <a:solidFill>
+                <a:schemeClr val="tx1"/>
+              </a:solidFill>
+              <a:effectLst/>
+              <a:latin typeface="Arial" panose="020B0604020202020204" pitchFamily="34" charset="0"/>
+              <a:ea typeface="宋体" panose="02010600030101010101" pitchFamily="2" charset="-122"/>
+            </a:endParaRPr>
+          </a:p>
+        </p:txBody>
+      </p:sp>
+      <p:sp>
+        <p:nvSpPr>
+          <p:cNvPr id="7" name="星形: 五角 6">
+            <a:extLst>
+              <a:ext uri="{FF2B5EF4-FFF2-40B4-BE49-F238E27FC236}">
+                <a16:creationId xmlns:a16="http://schemas.microsoft.com/office/drawing/2014/main" id="{05D4E463-5916-4BD9-BA33-23093613EE64}"/>
+              </a:ext>
+            </a:extLst>
+          </p:cNvPr>
+          <p:cNvSpPr/>
+          <p:nvPr/>
+        </p:nvSpPr>
+        <p:spPr bwMode="auto">
+          <a:xfrm>
+            <a:off x="1187765" y="5853143"/>
+            <a:ext cx="600593" cy="562297"/>
+          </a:xfrm>
+          <a:prstGeom prst="star5">
+            <a:avLst>
+              <a:gd name="adj" fmla="val 19646"/>
+              <a:gd name="hf" fmla="val 105146"/>
+              <a:gd name="vf" fmla="val 110557"/>
+            </a:avLst>
+          </a:prstGeom>
+          <a:ln>
+            <a:headEnd type="none" w="med" len="med"/>
+            <a:tailEnd type="none" w="med" len="med"/>
+          </a:ln>
+        </p:spPr>
+        <p:style>
+          <a:lnRef idx="1">
+            <a:schemeClr val="accent6"/>
+          </a:lnRef>
+          <a:fillRef idx="3">
+            <a:schemeClr val="accent6"/>
+          </a:fillRef>
+          <a:effectRef idx="2">
+            <a:schemeClr val="accent6"/>
+          </a:effectRef>
+          <a:fontRef idx="minor">
+            <a:schemeClr val="lt1"/>
+          </a:fontRef>
+        </p:style>
+        <p:txBody>
+          <a:bodyPr vert="horz" wrap="square" lIns="91440" tIns="45720" rIns="91440" bIns="45720" numCol="1" rtlCol="0" anchor="t" anchorCtr="0" compatLnSpc="1"/>
+          <a:lstStyle/>
+          <a:p>
+            <a:pPr marL="0" marR="0" indent="0" algn="l" defTabSz="914400" rtl="0" eaLnBrk="1" fontAlgn="base" latinLnBrk="0" hangingPunct="1">
+              <a:lnSpc>
+                <a:spcPct val="100000"/>
+              </a:lnSpc>
+              <a:spcBef>
+                <a:spcPct val="0"/>
+              </a:spcBef>
+              <a:spcAft>
+                <a:spcPct val="0"/>
+              </a:spcAft>
+              <a:buClrTx/>
+              <a:buSzTx/>
+              <a:buFont typeface="Arial" panose="020B0604020202020204" pitchFamily="34" charset="0"/>
+              <a:buNone/>
+            </a:pPr>
+            <a:endParaRPr kumimoji="0" lang="zh-CN" altLang="en-US" sz="1800" b="0" i="0" u="none" strike="noStrike" cap="none" normalizeH="0" baseline="0" dirty="0">
+              <a:ln>
+                <a:noFill/>
+              </a:ln>
+              <a:solidFill>
+                <a:schemeClr val="tx1"/>
+              </a:solidFill>
+              <a:effectLst/>
+              <a:latin typeface="Arial" panose="020B0604020202020204" pitchFamily="34" charset="0"/>
+              <a:ea typeface="宋体" panose="02010600030101010101" pitchFamily="2" charset="-122"/>
+            </a:endParaRPr>
+          </a:p>
+        </p:txBody>
+      </p:sp>
+      <p:sp>
+        <p:nvSpPr>
+          <p:cNvPr id="8" name="矩形 7">
+            <a:extLst>
+              <a:ext uri="{FF2B5EF4-FFF2-40B4-BE49-F238E27FC236}">
+                <a16:creationId xmlns:a16="http://schemas.microsoft.com/office/drawing/2014/main" id="{DEF7B9F0-C281-41C0-B362-A1C0917DCDDC}"/>
+              </a:ext>
+            </a:extLst>
+          </p:cNvPr>
+          <p:cNvSpPr/>
+          <p:nvPr/>
+        </p:nvSpPr>
+        <p:spPr>
+          <a:xfrm>
+            <a:off x="1619795" y="5877170"/>
+            <a:ext cx="2448169" cy="584775"/>
+          </a:xfrm>
+          <a:prstGeom prst="rect">
+            <a:avLst/>
+          </a:prstGeom>
+          <a:noFill/>
+        </p:spPr>
+        <p:txBody>
+          <a:bodyPr wrap="square" lIns="91440" tIns="45720" rIns="91440" bIns="45720">
+            <a:spAutoFit/>
+          </a:bodyPr>
+          <a:lstStyle/>
+          <a:p>
+            <a:pPr algn="ctr"/>
+            <a:r>
+              <a:rPr lang="en-US" altLang="zh-CN" sz="3200" b="0" cap="none" spc="0" dirty="0">
+                <a:ln w="0"/>
+                <a:solidFill>
+                  <a:schemeClr val="tx1"/>
+                </a:solidFill>
+                <a:effectLst>
+                  <a:outerShdw blurRad="38100" dist="19050" dir="2700000" algn="tl" rotWithShape="0">
+                    <a:schemeClr val="dk1">
+                      <a:alpha val="40000"/>
+                    </a:schemeClr>
+                  </a:outerShdw>
+                </a:effectLst>
+              </a:rPr>
+              <a:t>A</a:t>
+            </a:r>
+            <a:r>
+              <a:rPr lang="zh-CN" altLang="en-US" sz="3200" b="0" cap="none" spc="0" dirty="0">
+                <a:ln w="0"/>
+                <a:solidFill>
+                  <a:schemeClr val="tx1"/>
+                </a:solidFill>
+                <a:effectLst>
+                  <a:outerShdw blurRad="38100" dist="19050" dir="2700000" algn="tl" rotWithShape="0">
+                    <a:schemeClr val="dk1">
+                      <a:alpha val="40000"/>
+                    </a:schemeClr>
+                  </a:outerShdw>
+                </a:effectLst>
+              </a:rPr>
+              <a:t>←→</a:t>
+            </a:r>
+            <a:r>
+              <a:rPr lang="en-US" altLang="zh-CN" sz="3200" b="0" cap="none" spc="0" dirty="0">
+                <a:ln w="0"/>
+                <a:solidFill>
+                  <a:schemeClr val="tx1"/>
+                </a:solidFill>
+                <a:effectLst>
+                  <a:outerShdw blurRad="38100" dist="19050" dir="2700000" algn="tl" rotWithShape="0">
+                    <a:schemeClr val="dk1">
+                      <a:alpha val="40000"/>
+                    </a:schemeClr>
+                  </a:outerShdw>
+                </a:effectLst>
+              </a:rPr>
+              <a:t>BC</a:t>
+            </a:r>
+            <a:endParaRPr lang="zh-CN" altLang="en-US" sz="3200" b="0" cap="none" spc="0" dirty="0">
+              <a:ln w="0"/>
+              <a:solidFill>
+                <a:schemeClr val="tx1"/>
+              </a:solidFill>
+              <a:effectLst>
+                <a:outerShdw blurRad="38100" dist="19050" dir="2700000" algn="tl" rotWithShape="0">
+                  <a:schemeClr val="dk1">
+                    <a:alpha val="40000"/>
+                  </a:schemeClr>
+                </a:outerShdw>
+              </a:effectLst>
+            </a:endParaRPr>
+          </a:p>
+        </p:txBody>
+      </p:sp>
+    </p:spTree>
+    <p:extLst>
+      <p:ext uri="{BB962C8B-B14F-4D97-AF65-F5344CB8AC3E}">
+        <p14:creationId xmlns:p14="http://schemas.microsoft.com/office/powerpoint/2010/main" val="588199781"/>
+      </p:ext>
+    </p:extLst>
+  </p:cSld>
+  <p:clrMapOvr>
+    <a:masterClrMapping/>
+  </p:clrMapOvr>
+</p:sld>
+</file>
+
+<file path=ppt/slides/slide65.xml><?xml version="1.0" encoding="utf-8"?>
+<p:sld xmlns:a="http://schemas.openxmlformats.org/drawingml/2006/main" xmlns:r="http://schemas.openxmlformats.org/officeDocument/2006/relationships" xmlns:p="http://schemas.openxmlformats.org/presentationml/2006/main">
+  <p:cSld>
+    <p:spTree>
+      <p:nvGrpSpPr>
+        <p:cNvPr id="1" name=""/>
+        <p:cNvGrpSpPr/>
+        <p:nvPr/>
+      </p:nvGrpSpPr>
+      <p:grpSpPr>
+        <a:xfrm>
+          <a:off x="0" y="0"/>
+          <a:ext cx="0" cy="0"/>
+          <a:chOff x="0" y="0"/>
+          <a:chExt cx="0" cy="0"/>
+        </a:xfrm>
+      </p:grpSpPr>
+      <p:sp>
+        <p:nvSpPr>
           <p:cNvPr id="60417" name="TextBox 3">
             <a:extLst>
               <a:ext uri="{FF2B5EF4-FFF2-40B4-BE49-F238E27FC236}">
@@ -42920,7 +44312,7 @@
 </p:sld>
 </file>
 
-<file path=ppt/slides/slide63.xml><?xml version="1.0" encoding="utf-8"?>
+<file path=ppt/slides/slide66.xml><?xml version="1.0" encoding="utf-8"?>
 <p:sld xmlns:a="http://schemas.openxmlformats.org/drawingml/2006/main" xmlns:r="http://schemas.openxmlformats.org/officeDocument/2006/relationships" xmlns:p="http://schemas.openxmlformats.org/presentationml/2006/main">
   <p:cSld>
     <p:spTree>

--- a/PPT/PPT2020/DB第06章.pptx
+++ b/PPT/PPT2020/DB第06章.pptx
@@ -5,7 +5,7 @@
     <p:sldMasterId id="2147483648" r:id="rId1"/>
   </p:sldMasterIdLst>
   <p:notesMasterIdLst>
-    <p:notesMasterId r:id="rId68"/>
+    <p:notesMasterId r:id="rId73"/>
   </p:notesMasterIdLst>
   <p:sldIdLst>
     <p:sldId id="535" r:id="rId2"/>
@@ -69,11 +69,16 @@
     <p:sldId id="332" r:id="rId60"/>
     <p:sldId id="333" r:id="rId61"/>
     <p:sldId id="337" r:id="rId62"/>
-    <p:sldId id="538" r:id="rId63"/>
-    <p:sldId id="540" r:id="rId64"/>
-    <p:sldId id="539" r:id="rId65"/>
-    <p:sldId id="338" r:id="rId66"/>
-    <p:sldId id="532" r:id="rId67"/>
+    <p:sldId id="541" r:id="rId63"/>
+    <p:sldId id="542" r:id="rId64"/>
+    <p:sldId id="543" r:id="rId65"/>
+    <p:sldId id="545" r:id="rId66"/>
+    <p:sldId id="544" r:id="rId67"/>
+    <p:sldId id="538" r:id="rId68"/>
+    <p:sldId id="540" r:id="rId69"/>
+    <p:sldId id="539" r:id="rId70"/>
+    <p:sldId id="338" r:id="rId71"/>
+    <p:sldId id="532" r:id="rId72"/>
   </p:sldIdLst>
   <p:sldSz cx="9144000" cy="6858000" type="screen4x3"/>
   <p:notesSz cx="6834188" cy="9979025"/>
@@ -350,7 +355,7 @@
               <a:pPr>
                 <a:defRPr/>
               </a:pPr>
-              <a:t>2020/4/13</a:t>
+              <a:t>2020/4/15</a:t>
             </a:fld>
             <a:endParaRPr lang="en-US"/>
           </a:p>
@@ -26748,7 +26753,7 @@
               <a:rPr lang="en-US" altLang="zh-CN" i="1" dirty="0">
                 <a:sym typeface="宋体" panose="02010600030101010101" pitchFamily="2" charset="-122"/>
               </a:rPr>
-              <a:t>Z</a:t>
+              <a:t>Z </a:t>
             </a:r>
             <a:r>
               <a:rPr lang="zh-CN" altLang="en-US" dirty="0">
@@ -26760,19 +26765,19 @@
               <a:rPr lang="en-US" altLang="zh-CN" i="1" dirty="0">
                 <a:sym typeface="宋体" panose="02010600030101010101" pitchFamily="2" charset="-122"/>
               </a:rPr>
-              <a:t>Z</a:t>
+              <a:t>Y</a:t>
             </a:r>
             <a:r>
               <a:rPr lang="en-US" altLang="zh-CN" dirty="0">
                 <a:sym typeface="宋体" panose="02010600030101010101" pitchFamily="2" charset="-122"/>
               </a:rPr>
-              <a:t> ⊇ </a:t>
+              <a:t>⊇ </a:t>
             </a:r>
             <a:r>
               <a:rPr lang="en-US" altLang="zh-CN" i="1" dirty="0">
                 <a:sym typeface="宋体" panose="02010600030101010101" pitchFamily="2" charset="-122"/>
               </a:rPr>
-              <a:t>Y</a:t>
+              <a:t>Z</a:t>
             </a:r>
             <a:r>
               <a:rPr lang="zh-CN" altLang="en-US" dirty="0">
@@ -27263,7 +27268,7 @@
           <a:bodyPr/>
           <a:lstStyle/>
           <a:p>
-            <a:endParaRPr lang="zh-CN" altLang="en-US"/>
+            <a:endParaRPr lang="zh-CN" altLang="en-US" dirty="0"/>
           </a:p>
         </p:txBody>
       </p:sp>
@@ -42694,6 +42699,1691 @@
           <p:cNvPr id="2" name="标题 1">
             <a:extLst>
               <a:ext uri="{FF2B5EF4-FFF2-40B4-BE49-F238E27FC236}">
+                <a16:creationId xmlns:a16="http://schemas.microsoft.com/office/drawing/2014/main" id="{42D1081C-25B1-4963-ACFB-7547FE2571F6}"/>
+              </a:ext>
+            </a:extLst>
+          </p:cNvPr>
+          <p:cNvSpPr>
+            <a:spLocks noGrp="1"/>
+          </p:cNvSpPr>
+          <p:nvPr>
+            <p:ph type="title"/>
+          </p:nvPr>
+        </p:nvSpPr>
+        <p:spPr/>
+        <p:txBody>
+          <a:bodyPr/>
+          <a:lstStyle/>
+          <a:p>
+            <a:pPr algn="l"/>
+            <a:r>
+              <a:rPr lang="zh-CN" altLang="en-US" dirty="0">
+                <a:effectLst>
+                  <a:outerShdw blurRad="38100" dist="38100" dir="2700000" algn="tl">
+                    <a:srgbClr val="000000">
+                      <a:alpha val="43137"/>
+                    </a:srgbClr>
+                  </a:outerShdw>
+                </a:effectLst>
+              </a:rPr>
+              <a:t>候选码的求解理论和算法</a:t>
+            </a:r>
+            <a:endParaRPr lang="zh-CN" altLang="en-US" dirty="0"/>
+          </a:p>
+        </p:txBody>
+      </p:sp>
+      <p:sp>
+        <p:nvSpPr>
+          <p:cNvPr id="3" name="内容占位符 2">
+            <a:extLst>
+              <a:ext uri="{FF2B5EF4-FFF2-40B4-BE49-F238E27FC236}">
+                <a16:creationId xmlns:a16="http://schemas.microsoft.com/office/drawing/2014/main" id="{89A8035B-031F-47EA-8063-C0460E8C847A}"/>
+              </a:ext>
+            </a:extLst>
+          </p:cNvPr>
+          <p:cNvSpPr>
+            <a:spLocks noGrp="1"/>
+          </p:cNvSpPr>
+          <p:nvPr>
+            <p:ph idx="1"/>
+          </p:nvPr>
+        </p:nvSpPr>
+        <p:spPr/>
+        <p:txBody>
+          <a:bodyPr/>
+          <a:lstStyle/>
+          <a:p>
+            <a:pPr marL="0" indent="0">
+              <a:buNone/>
+            </a:pPr>
+            <a:r>
+              <a:rPr lang="zh-CN" altLang="en-US" dirty="0">
+                <a:solidFill>
+                  <a:srgbClr val="FF0000"/>
+                </a:solidFill>
+                <a:highlight>
+                  <a:srgbClr val="FFFF00"/>
+                </a:highlight>
+              </a:rPr>
+              <a:t>闭包（</a:t>
+            </a:r>
+            <a:r>
+              <a:rPr lang="zh-CN" altLang="en-US" b="0" dirty="0">
+                <a:solidFill>
+                  <a:srgbClr val="FF0000"/>
+                </a:solidFill>
+                <a:highlight>
+                  <a:srgbClr val="FFFF00"/>
+                </a:highlight>
+              </a:rPr>
+              <a:t>记作</a:t>
+            </a:r>
+            <a:r>
+              <a:rPr lang="en-US" altLang="zh-CN" b="0" dirty="0">
+                <a:solidFill>
+                  <a:srgbClr val="FF0000"/>
+                </a:solidFill>
+                <a:highlight>
+                  <a:srgbClr val="FFFF00"/>
+                </a:highlight>
+              </a:rPr>
+              <a:t>X</a:t>
+            </a:r>
+            <a:r>
+              <a:rPr lang="zh-CN" altLang="en-US" b="0" baseline="30000" dirty="0">
+                <a:solidFill>
+                  <a:srgbClr val="FF0000"/>
+                </a:solidFill>
+                <a:highlight>
+                  <a:srgbClr val="FFFF00"/>
+                </a:highlight>
+              </a:rPr>
+              <a:t>＋ </a:t>
+            </a:r>
+            <a:r>
+              <a:rPr lang="zh-CN" altLang="en-US" dirty="0">
+                <a:solidFill>
+                  <a:srgbClr val="FF0000"/>
+                </a:solidFill>
+                <a:highlight>
+                  <a:srgbClr val="FFFF00"/>
+                </a:highlight>
+              </a:rPr>
+              <a:t>）</a:t>
+            </a:r>
+            <a:r>
+              <a:rPr lang="zh-CN" altLang="en-US" dirty="0"/>
+              <a:t>就是由一个属性直接或间接推导出的所有属性的集合。</a:t>
+            </a:r>
+            <a:endParaRPr lang="en-US" altLang="zh-CN" dirty="0"/>
+          </a:p>
+          <a:p>
+            <a:endParaRPr lang="zh-CN" altLang="en-US" b="0" dirty="0"/>
+          </a:p>
+          <a:p>
+            <a:pPr marL="400050" lvl="1" indent="0">
+              <a:buNone/>
+            </a:pPr>
+            <a:r>
+              <a:rPr lang="zh-CN" altLang="en-US" dirty="0"/>
+              <a:t>例如：</a:t>
+            </a:r>
+            <a:endParaRPr lang="en-US" altLang="zh-CN" dirty="0"/>
+          </a:p>
+          <a:p>
+            <a:pPr marL="800100" lvl="2" indent="0">
+              <a:buNone/>
+            </a:pPr>
+            <a:r>
+              <a:rPr lang="en-US" altLang="zh-CN" b="0" dirty="0"/>
+              <a:t>f={a-&gt;b</a:t>
+            </a:r>
+            <a:r>
+              <a:rPr lang="zh-CN" altLang="en-US" b="0" dirty="0"/>
+              <a:t>，</a:t>
+            </a:r>
+            <a:r>
+              <a:rPr lang="en-US" altLang="zh-CN" b="0" dirty="0"/>
+              <a:t>b-&gt;c</a:t>
+            </a:r>
+            <a:r>
+              <a:rPr lang="zh-CN" altLang="en-US" b="0" dirty="0"/>
+              <a:t>，</a:t>
+            </a:r>
+            <a:r>
+              <a:rPr lang="en-US" altLang="zh-CN" b="0" dirty="0"/>
+              <a:t>a-&gt;d</a:t>
+            </a:r>
+            <a:r>
+              <a:rPr lang="zh-CN" altLang="en-US" b="0" dirty="0"/>
+              <a:t>，</a:t>
+            </a:r>
+            <a:r>
+              <a:rPr lang="en-US" altLang="zh-CN" b="0" dirty="0"/>
+              <a:t>e-&gt;f}</a:t>
+            </a:r>
+            <a:r>
+              <a:rPr lang="zh-CN" altLang="en-US" b="0" dirty="0"/>
+              <a:t>；</a:t>
+            </a:r>
+            <a:endParaRPr lang="en-US" altLang="zh-CN" b="0" dirty="0"/>
+          </a:p>
+          <a:p>
+            <a:pPr marL="800100" lvl="2" indent="0">
+              <a:buNone/>
+            </a:pPr>
+            <a:r>
+              <a:rPr lang="zh-CN" altLang="en-US" b="0" dirty="0"/>
+              <a:t>由</a:t>
+            </a:r>
+            <a:r>
+              <a:rPr lang="en-US" altLang="zh-CN" b="0" dirty="0"/>
+              <a:t>a</a:t>
+            </a:r>
+            <a:r>
+              <a:rPr lang="zh-CN" altLang="en-US" b="0" dirty="0"/>
+              <a:t>可直接得到</a:t>
+            </a:r>
+            <a:r>
+              <a:rPr lang="en-US" altLang="zh-CN" b="0" dirty="0"/>
+              <a:t>b</a:t>
+            </a:r>
+            <a:r>
+              <a:rPr lang="zh-CN" altLang="en-US" b="0" dirty="0"/>
+              <a:t>和</a:t>
+            </a:r>
+            <a:r>
+              <a:rPr lang="en-US" altLang="zh-CN" b="0" dirty="0"/>
+              <a:t>d</a:t>
+            </a:r>
+            <a:r>
+              <a:rPr lang="zh-CN" altLang="en-US" b="0" dirty="0"/>
+              <a:t>，间接得到</a:t>
+            </a:r>
+            <a:r>
+              <a:rPr lang="en-US" altLang="zh-CN" b="0" dirty="0"/>
+              <a:t>c</a:t>
+            </a:r>
+            <a:r>
+              <a:rPr lang="zh-CN" altLang="en-US" b="0" dirty="0"/>
+              <a:t>，</a:t>
+            </a:r>
+            <a:endParaRPr lang="en-US" altLang="zh-CN" b="0" dirty="0"/>
+          </a:p>
+          <a:p>
+            <a:pPr marL="800100" lvl="2" indent="0">
+              <a:buNone/>
+            </a:pPr>
+            <a:r>
+              <a:rPr lang="zh-CN" altLang="en-US" b="0" dirty="0"/>
+              <a:t>则</a:t>
+            </a:r>
+            <a:r>
+              <a:rPr lang="en-US" altLang="zh-CN" b="0" dirty="0"/>
+              <a:t>a</a:t>
+            </a:r>
+            <a:r>
+              <a:rPr lang="zh-CN" altLang="en-US" b="0" dirty="0"/>
+              <a:t>的闭包就是</a:t>
+            </a:r>
+            <a:r>
+              <a:rPr lang="en-US" altLang="zh-CN" b="0" dirty="0"/>
+              <a:t>{a</a:t>
+            </a:r>
+            <a:r>
+              <a:rPr lang="zh-CN" altLang="en-US" b="0" dirty="0"/>
+              <a:t>，</a:t>
+            </a:r>
+            <a:r>
+              <a:rPr lang="en-US" altLang="zh-CN" b="0" dirty="0"/>
+              <a:t>b</a:t>
+            </a:r>
+            <a:r>
+              <a:rPr lang="zh-CN" altLang="en-US" b="0" dirty="0"/>
+              <a:t>，</a:t>
+            </a:r>
+            <a:r>
+              <a:rPr lang="en-US" altLang="zh-CN" b="0" dirty="0"/>
+              <a:t>c</a:t>
+            </a:r>
+            <a:r>
+              <a:rPr lang="zh-CN" altLang="en-US" b="0" dirty="0"/>
+              <a:t>，</a:t>
+            </a:r>
+            <a:r>
+              <a:rPr lang="en-US" altLang="zh-CN" b="0" dirty="0"/>
+              <a:t>d}</a:t>
+            </a:r>
+          </a:p>
+          <a:p>
+            <a:endParaRPr lang="zh-CN" altLang="en-US" dirty="0"/>
+          </a:p>
+        </p:txBody>
+      </p:sp>
+    </p:spTree>
+    <p:extLst>
+      <p:ext uri="{BB962C8B-B14F-4D97-AF65-F5344CB8AC3E}">
+        <p14:creationId xmlns:p14="http://schemas.microsoft.com/office/powerpoint/2010/main" val="4183582573"/>
+      </p:ext>
+    </p:extLst>
+  </p:cSld>
+  <p:clrMapOvr>
+    <a:masterClrMapping/>
+  </p:clrMapOvr>
+</p:sld>
+</file>
+
+<file path=ppt/slides/slide63.xml><?xml version="1.0" encoding="utf-8"?>
+<p:sld xmlns:a="http://schemas.openxmlformats.org/drawingml/2006/main" xmlns:r="http://schemas.openxmlformats.org/officeDocument/2006/relationships" xmlns:p="http://schemas.openxmlformats.org/presentationml/2006/main">
+  <p:cSld>
+    <p:spTree>
+      <p:nvGrpSpPr>
+        <p:cNvPr id="1" name=""/>
+        <p:cNvGrpSpPr/>
+        <p:nvPr/>
+      </p:nvGrpSpPr>
+      <p:grpSpPr>
+        <a:xfrm>
+          <a:off x="0" y="0"/>
+          <a:ext cx="0" cy="0"/>
+          <a:chOff x="0" y="0"/>
+          <a:chExt cx="0" cy="0"/>
+        </a:xfrm>
+      </p:grpSpPr>
+      <p:sp>
+        <p:nvSpPr>
+          <p:cNvPr id="2" name="标题 1">
+            <a:extLst>
+              <a:ext uri="{FF2B5EF4-FFF2-40B4-BE49-F238E27FC236}">
+                <a16:creationId xmlns:a16="http://schemas.microsoft.com/office/drawing/2014/main" id="{3BF587A6-D9EF-4F30-908E-0980B570E675}"/>
+              </a:ext>
+            </a:extLst>
+          </p:cNvPr>
+          <p:cNvSpPr>
+            <a:spLocks noGrp="1"/>
+          </p:cNvSpPr>
+          <p:nvPr>
+            <p:ph type="title"/>
+          </p:nvPr>
+        </p:nvSpPr>
+        <p:spPr/>
+        <p:txBody>
+          <a:bodyPr/>
+          <a:lstStyle/>
+          <a:p>
+            <a:pPr algn="l"/>
+            <a:r>
+              <a:rPr lang="zh-CN" altLang="en-US" dirty="0">
+                <a:effectLst>
+                  <a:outerShdw blurRad="38100" dist="38100" dir="2700000" algn="tl">
+                    <a:srgbClr val="000000">
+                      <a:alpha val="43137"/>
+                    </a:srgbClr>
+                  </a:outerShdw>
+                </a:effectLst>
+              </a:rPr>
+              <a:t>候选码的求解理论和算法</a:t>
+            </a:r>
+            <a:endParaRPr lang="zh-CN" altLang="en-US" dirty="0"/>
+          </a:p>
+        </p:txBody>
+      </p:sp>
+      <p:sp>
+        <p:nvSpPr>
+          <p:cNvPr id="3" name="内容占位符 2">
+            <a:extLst>
+              <a:ext uri="{FF2B5EF4-FFF2-40B4-BE49-F238E27FC236}">
+                <a16:creationId xmlns:a16="http://schemas.microsoft.com/office/drawing/2014/main" id="{9BA43B15-A6A9-4053-931C-ED9AA1496E77}"/>
+              </a:ext>
+            </a:extLst>
+          </p:cNvPr>
+          <p:cNvSpPr>
+            <a:spLocks noGrp="1"/>
+          </p:cNvSpPr>
+          <p:nvPr>
+            <p:ph idx="1"/>
+          </p:nvPr>
+        </p:nvSpPr>
+        <p:spPr/>
+        <p:txBody>
+          <a:bodyPr/>
+          <a:lstStyle/>
+          <a:p>
+            <a:pPr marL="0" indent="0">
+              <a:buNone/>
+            </a:pPr>
+            <a:r>
+              <a:rPr lang="zh-CN" altLang="en-US" sz="2400" b="0" dirty="0"/>
+              <a:t>　　对于给定的关系</a:t>
+            </a:r>
+            <a:r>
+              <a:rPr lang="en-US" altLang="zh-CN" sz="2400" b="0" dirty="0"/>
+              <a:t>R</a:t>
+            </a:r>
+            <a:r>
+              <a:rPr lang="zh-CN" altLang="en-US" sz="2400" b="0" dirty="0"/>
+              <a:t>（</a:t>
+            </a:r>
+            <a:r>
+              <a:rPr lang="en-US" altLang="zh-CN" sz="2400" b="0" dirty="0"/>
+              <a:t>A1</a:t>
+            </a:r>
+            <a:r>
+              <a:rPr lang="zh-CN" altLang="en-US" sz="2400" b="0" dirty="0"/>
+              <a:t>，</a:t>
+            </a:r>
+            <a:r>
+              <a:rPr lang="en-US" altLang="zh-CN" sz="2400" b="0" dirty="0"/>
+              <a:t>A2</a:t>
+            </a:r>
+            <a:r>
+              <a:rPr lang="zh-CN" altLang="en-US" sz="2400" b="0" dirty="0"/>
+              <a:t>，</a:t>
+            </a:r>
+            <a:r>
+              <a:rPr lang="en-US" altLang="zh-CN" sz="2400" b="0" dirty="0"/>
+              <a:t>…An</a:t>
+            </a:r>
+            <a:r>
+              <a:rPr lang="zh-CN" altLang="en-US" sz="2400" b="0" dirty="0"/>
+              <a:t>）和函数依赖集</a:t>
+            </a:r>
+            <a:r>
+              <a:rPr lang="en-US" altLang="zh-CN" sz="2400" b="0" dirty="0"/>
+              <a:t>F</a:t>
+            </a:r>
+            <a:r>
+              <a:rPr lang="zh-CN" altLang="en-US" sz="2400" b="0" dirty="0"/>
+              <a:t>，可将其属性分为</a:t>
+            </a:r>
+            <a:r>
+              <a:rPr lang="en-US" altLang="zh-CN" sz="2400" b="0" dirty="0"/>
+              <a:t>4</a:t>
+            </a:r>
+            <a:r>
+              <a:rPr lang="zh-CN" altLang="en-US" sz="2400" b="0" dirty="0"/>
+              <a:t>类：</a:t>
+            </a:r>
+            <a:endParaRPr lang="en-US" altLang="zh-CN" sz="2400" b="0" dirty="0"/>
+          </a:p>
+          <a:p>
+            <a:pPr marL="0" indent="0">
+              <a:buNone/>
+            </a:pPr>
+            <a:endParaRPr lang="zh-CN" altLang="en-US" sz="2400" b="0" dirty="0"/>
+          </a:p>
+          <a:p>
+            <a:pPr lvl="1"/>
+            <a:r>
+              <a:rPr lang="zh-CN" altLang="en-US" sz="2000" b="0" dirty="0"/>
+              <a:t>　</a:t>
+            </a:r>
+            <a:r>
+              <a:rPr lang="en-US" altLang="zh-CN" sz="2000" b="0" dirty="0"/>
+              <a:t>L</a:t>
+            </a:r>
+            <a:r>
+              <a:rPr lang="zh-CN" altLang="en-US" sz="2000" b="0" dirty="0"/>
+              <a:t>类     仅出现在函数依赖左部的属性。</a:t>
+            </a:r>
+          </a:p>
+          <a:p>
+            <a:pPr lvl="1"/>
+            <a:r>
+              <a:rPr lang="zh-CN" altLang="en-US" sz="2000" b="0" dirty="0"/>
+              <a:t>　</a:t>
+            </a:r>
+            <a:r>
+              <a:rPr lang="en-US" altLang="zh-CN" sz="2000" b="0" dirty="0"/>
+              <a:t>R </a:t>
+            </a:r>
+            <a:r>
+              <a:rPr lang="zh-CN" altLang="en-US" sz="2000" b="0" dirty="0"/>
+              <a:t>类   仅出现在函数依赖右部的属性。</a:t>
+            </a:r>
+          </a:p>
+          <a:p>
+            <a:pPr lvl="1"/>
+            <a:r>
+              <a:rPr lang="zh-CN" altLang="en-US" sz="2000" b="0" dirty="0"/>
+              <a:t>　</a:t>
+            </a:r>
+            <a:r>
+              <a:rPr lang="en-US" altLang="zh-CN" sz="2000" b="0" dirty="0"/>
+              <a:t>N </a:t>
+            </a:r>
+            <a:r>
+              <a:rPr lang="zh-CN" altLang="en-US" sz="2000" b="0" dirty="0"/>
+              <a:t>类   在函数依赖左右两边均未出现的属性。</a:t>
+            </a:r>
+          </a:p>
+          <a:p>
+            <a:pPr lvl="1"/>
+            <a:r>
+              <a:rPr lang="zh-CN" altLang="en-US" sz="2000" b="0" dirty="0"/>
+              <a:t>　</a:t>
+            </a:r>
+            <a:r>
+              <a:rPr lang="en-US" altLang="zh-CN" sz="2000" b="0" dirty="0"/>
+              <a:t>LR</a:t>
+            </a:r>
+            <a:r>
+              <a:rPr lang="zh-CN" altLang="en-US" sz="2000" b="0" dirty="0"/>
+              <a:t>类  在函数依赖左右两边均出现的属性。</a:t>
+            </a:r>
+          </a:p>
+          <a:p>
+            <a:endParaRPr lang="zh-CN" altLang="en-US" sz="1400" dirty="0"/>
+          </a:p>
+        </p:txBody>
+      </p:sp>
+    </p:spTree>
+    <p:extLst>
+      <p:ext uri="{BB962C8B-B14F-4D97-AF65-F5344CB8AC3E}">
+        <p14:creationId xmlns:p14="http://schemas.microsoft.com/office/powerpoint/2010/main" val="174063032"/>
+      </p:ext>
+    </p:extLst>
+  </p:cSld>
+  <p:clrMapOvr>
+    <a:masterClrMapping/>
+  </p:clrMapOvr>
+</p:sld>
+</file>
+
+<file path=ppt/slides/slide64.xml><?xml version="1.0" encoding="utf-8"?>
+<p:sld xmlns:a="http://schemas.openxmlformats.org/drawingml/2006/main" xmlns:r="http://schemas.openxmlformats.org/officeDocument/2006/relationships" xmlns:p="http://schemas.openxmlformats.org/presentationml/2006/main">
+  <p:cSld>
+    <p:spTree>
+      <p:nvGrpSpPr>
+        <p:cNvPr id="1" name=""/>
+        <p:cNvGrpSpPr/>
+        <p:nvPr/>
+      </p:nvGrpSpPr>
+      <p:grpSpPr>
+        <a:xfrm>
+          <a:off x="0" y="0"/>
+          <a:ext cx="0" cy="0"/>
+          <a:chOff x="0" y="0"/>
+          <a:chExt cx="0" cy="0"/>
+        </a:xfrm>
+      </p:grpSpPr>
+      <p:sp>
+        <p:nvSpPr>
+          <p:cNvPr id="2" name="标题 1">
+            <a:extLst>
+              <a:ext uri="{FF2B5EF4-FFF2-40B4-BE49-F238E27FC236}">
+                <a16:creationId xmlns:a16="http://schemas.microsoft.com/office/drawing/2014/main" id="{1590E0D0-C506-42A1-BB39-8A66895ECE17}"/>
+              </a:ext>
+            </a:extLst>
+          </p:cNvPr>
+          <p:cNvSpPr>
+            <a:spLocks noGrp="1"/>
+          </p:cNvSpPr>
+          <p:nvPr>
+            <p:ph type="title"/>
+          </p:nvPr>
+        </p:nvSpPr>
+        <p:spPr/>
+        <p:txBody>
+          <a:bodyPr/>
+          <a:lstStyle/>
+          <a:p>
+            <a:endParaRPr lang="zh-CN" altLang="en-US"/>
+          </a:p>
+        </p:txBody>
+      </p:sp>
+      <p:sp>
+        <p:nvSpPr>
+          <p:cNvPr id="3" name="内容占位符 2">
+            <a:extLst>
+              <a:ext uri="{FF2B5EF4-FFF2-40B4-BE49-F238E27FC236}">
+                <a16:creationId xmlns:a16="http://schemas.microsoft.com/office/drawing/2014/main" id="{F60FD0CA-B0B0-4C3A-AF17-CB89CB0BAC89}"/>
+              </a:ext>
+            </a:extLst>
+          </p:cNvPr>
+          <p:cNvSpPr>
+            <a:spLocks noGrp="1"/>
+          </p:cNvSpPr>
+          <p:nvPr>
+            <p:ph idx="1"/>
+          </p:nvPr>
+        </p:nvSpPr>
+        <p:spPr/>
+        <p:txBody>
+          <a:bodyPr/>
+          <a:lstStyle/>
+          <a:p>
+            <a:pPr marL="0" indent="0">
+              <a:buNone/>
+            </a:pPr>
+            <a:r>
+              <a:rPr lang="zh-CN" altLang="en-US" sz="2400" dirty="0">
+                <a:effectLst>
+                  <a:outerShdw blurRad="38100" dist="38100" dir="2700000" algn="tl">
+                    <a:srgbClr val="000000">
+                      <a:alpha val="43137"/>
+                    </a:srgbClr>
+                  </a:outerShdw>
+                </a:effectLst>
+              </a:rPr>
+              <a:t>定理</a:t>
+            </a:r>
+            <a:r>
+              <a:rPr lang="zh-CN" altLang="en-US" sz="2400" b="0" dirty="0">
+                <a:effectLst>
+                  <a:outerShdw blurRad="38100" dist="38100" dir="2700000" algn="tl">
+                    <a:srgbClr val="000000">
+                      <a:alpha val="43137"/>
+                    </a:srgbClr>
+                  </a:outerShdw>
+                </a:effectLst>
+              </a:rPr>
+              <a:t>：</a:t>
+            </a:r>
+            <a:endParaRPr lang="en-US" altLang="zh-CN" sz="2400" b="0" dirty="0">
+              <a:effectLst>
+                <a:outerShdw blurRad="38100" dist="38100" dir="2700000" algn="tl">
+                  <a:srgbClr val="000000">
+                    <a:alpha val="43137"/>
+                  </a:srgbClr>
+                </a:outerShdw>
+              </a:effectLst>
+            </a:endParaRPr>
+          </a:p>
+          <a:p>
+            <a:pPr marL="0" indent="0">
+              <a:buNone/>
+            </a:pPr>
+            <a:r>
+              <a:rPr lang="zh-CN" altLang="en-US" sz="2400" b="0" dirty="0"/>
+              <a:t>对于给定的关系模式</a:t>
+            </a:r>
+            <a:r>
+              <a:rPr lang="en-US" altLang="zh-CN" sz="2400" b="0" dirty="0"/>
+              <a:t>R</a:t>
+            </a:r>
+            <a:r>
+              <a:rPr lang="zh-CN" altLang="en-US" sz="2400" b="0" dirty="0"/>
+              <a:t>及其函数依赖集</a:t>
+            </a:r>
+            <a:r>
+              <a:rPr lang="en-US" altLang="zh-CN" sz="2400" b="0" dirty="0"/>
+              <a:t>F</a:t>
+            </a:r>
+            <a:r>
+              <a:rPr lang="zh-CN" altLang="en-US" sz="2400" b="0" dirty="0"/>
+              <a:t>，</a:t>
+            </a:r>
+            <a:endParaRPr lang="en-US" altLang="zh-CN" sz="2400" b="0" dirty="0"/>
+          </a:p>
+          <a:p>
+            <a:pPr marL="0" indent="0">
+              <a:buNone/>
+            </a:pPr>
+            <a:r>
+              <a:rPr lang="zh-CN" altLang="en-US" sz="2400" b="0" dirty="0"/>
+              <a:t>若</a:t>
+            </a:r>
+            <a:r>
+              <a:rPr lang="en-US" altLang="zh-CN" sz="2400" b="0" dirty="0"/>
+              <a:t>X</a:t>
+            </a:r>
+            <a:r>
+              <a:rPr lang="zh-CN" altLang="en-US" sz="2400" b="0" dirty="0"/>
+              <a:t>（</a:t>
+            </a:r>
+            <a:r>
+              <a:rPr lang="en-US" altLang="zh-CN" sz="2400" b="0" dirty="0"/>
+              <a:t>X∈R</a:t>
+            </a:r>
+            <a:r>
+              <a:rPr lang="zh-CN" altLang="en-US" sz="2400" b="0" dirty="0"/>
+              <a:t>）是</a:t>
+            </a:r>
+            <a:r>
+              <a:rPr lang="en-US" altLang="zh-CN" sz="2400" b="0" dirty="0"/>
+              <a:t>L</a:t>
+            </a:r>
+            <a:r>
+              <a:rPr lang="zh-CN" altLang="en-US" sz="2400" b="0" dirty="0"/>
+              <a:t>类属性，则</a:t>
+            </a:r>
+            <a:r>
+              <a:rPr lang="en-US" altLang="zh-CN" sz="2400" b="0" dirty="0"/>
+              <a:t>X</a:t>
+            </a:r>
+            <a:r>
+              <a:rPr lang="zh-CN" altLang="en-US" sz="2400" b="0" dirty="0"/>
+              <a:t>必为</a:t>
+            </a:r>
+            <a:r>
+              <a:rPr lang="en-US" altLang="zh-CN" sz="2400" b="0" dirty="0"/>
+              <a:t>R</a:t>
+            </a:r>
+            <a:r>
+              <a:rPr lang="zh-CN" altLang="en-US" sz="2400" b="0" dirty="0"/>
+              <a:t>的任一候选码的成员。</a:t>
+            </a:r>
+            <a:endParaRPr lang="en-US" altLang="zh-CN" sz="2400" b="0" dirty="0"/>
+          </a:p>
+          <a:p>
+            <a:pPr marL="0" indent="0">
+              <a:buNone/>
+            </a:pPr>
+            <a:endParaRPr lang="zh-CN" altLang="en-US" sz="2400" b="0" dirty="0"/>
+          </a:p>
+          <a:p>
+            <a:pPr marL="0" indent="0">
+              <a:buNone/>
+            </a:pPr>
+            <a:r>
+              <a:rPr lang="zh-CN" altLang="en-US" sz="2400" dirty="0">
+                <a:effectLst>
+                  <a:outerShdw blurRad="38100" dist="38100" dir="2700000" algn="tl">
+                    <a:srgbClr val="000000">
+                      <a:alpha val="43137"/>
+                    </a:srgbClr>
+                  </a:outerShdw>
+                </a:effectLst>
+              </a:rPr>
+              <a:t>推论：</a:t>
+            </a:r>
+            <a:endParaRPr lang="en-US" altLang="zh-CN" sz="2400" dirty="0">
+              <a:effectLst>
+                <a:outerShdw blurRad="38100" dist="38100" dir="2700000" algn="tl">
+                  <a:srgbClr val="000000">
+                    <a:alpha val="43137"/>
+                  </a:srgbClr>
+                </a:outerShdw>
+              </a:effectLst>
+            </a:endParaRPr>
+          </a:p>
+          <a:p>
+            <a:pPr marL="0" indent="0">
+              <a:buNone/>
+            </a:pPr>
+            <a:r>
+              <a:rPr lang="zh-CN" altLang="en-US" sz="2400" b="0" dirty="0"/>
+              <a:t>对于给定的关系模式</a:t>
+            </a:r>
+            <a:r>
+              <a:rPr lang="en-US" altLang="zh-CN" sz="2400" b="0" dirty="0"/>
+              <a:t>R</a:t>
+            </a:r>
+            <a:r>
+              <a:rPr lang="zh-CN" altLang="en-US" sz="2400" b="0" dirty="0"/>
+              <a:t>及其函数依赖集</a:t>
+            </a:r>
+            <a:r>
+              <a:rPr lang="en-US" altLang="zh-CN" sz="2400" b="0" dirty="0"/>
+              <a:t>F</a:t>
+            </a:r>
+            <a:r>
+              <a:rPr lang="zh-CN" altLang="en-US" sz="2400" b="0" dirty="0"/>
+              <a:t>，</a:t>
+            </a:r>
+            <a:endParaRPr lang="en-US" altLang="zh-CN" sz="2400" b="0" dirty="0"/>
+          </a:p>
+          <a:p>
+            <a:pPr marL="0" indent="0">
+              <a:buNone/>
+            </a:pPr>
+            <a:r>
+              <a:rPr lang="zh-CN" altLang="en-US" sz="2400" b="0" dirty="0"/>
+              <a:t>若</a:t>
+            </a:r>
+            <a:r>
+              <a:rPr lang="en-US" altLang="zh-CN" sz="2400" b="0" dirty="0"/>
+              <a:t>X</a:t>
+            </a:r>
+            <a:r>
+              <a:rPr lang="zh-CN" altLang="en-US" sz="2400" b="0" dirty="0"/>
+              <a:t>（</a:t>
+            </a:r>
+            <a:r>
+              <a:rPr lang="en-US" altLang="zh-CN" sz="2400" b="0" dirty="0"/>
+              <a:t>X∈R</a:t>
+            </a:r>
+            <a:r>
+              <a:rPr lang="zh-CN" altLang="en-US" sz="2400" b="0" dirty="0"/>
+              <a:t>）是</a:t>
+            </a:r>
+            <a:r>
+              <a:rPr lang="en-US" altLang="zh-CN" sz="2400" b="0" dirty="0"/>
+              <a:t>L</a:t>
+            </a:r>
+            <a:r>
+              <a:rPr lang="zh-CN" altLang="en-US" sz="2400" b="0" dirty="0"/>
+              <a:t>类属性，且</a:t>
+            </a:r>
+            <a:r>
+              <a:rPr lang="en-US" altLang="zh-CN" sz="2400" b="0" dirty="0"/>
+              <a:t>X</a:t>
+            </a:r>
+            <a:r>
+              <a:rPr lang="en-US" altLang="zh-CN" sz="2400" b="0" baseline="30000" dirty="0"/>
+              <a:t>+</a:t>
+            </a:r>
+            <a:r>
+              <a:rPr lang="zh-CN" altLang="en-US" sz="2400" b="0" dirty="0"/>
+              <a:t>包含了</a:t>
+            </a:r>
+            <a:r>
+              <a:rPr lang="en-US" altLang="zh-CN" sz="2400" b="0" dirty="0"/>
+              <a:t>R</a:t>
+            </a:r>
+            <a:r>
+              <a:rPr lang="zh-CN" altLang="en-US" sz="2400" b="0" dirty="0"/>
+              <a:t>的全部属性；</a:t>
+            </a:r>
+            <a:endParaRPr lang="en-US" altLang="zh-CN" sz="2400" b="0" dirty="0"/>
+          </a:p>
+          <a:p>
+            <a:pPr marL="0" indent="0">
+              <a:buNone/>
+            </a:pPr>
+            <a:r>
+              <a:rPr lang="zh-CN" altLang="en-US" sz="2400" b="0" dirty="0"/>
+              <a:t>则</a:t>
+            </a:r>
+            <a:r>
+              <a:rPr lang="en-US" altLang="zh-CN" sz="2400" b="0" dirty="0"/>
+              <a:t>X</a:t>
+            </a:r>
+            <a:r>
+              <a:rPr lang="zh-CN" altLang="en-US" sz="2400" b="0" dirty="0"/>
+              <a:t>必为</a:t>
+            </a:r>
+            <a:r>
+              <a:rPr lang="en-US" altLang="zh-CN" sz="2400" b="0" dirty="0"/>
+              <a:t>R</a:t>
+            </a:r>
+            <a:r>
+              <a:rPr lang="zh-CN" altLang="en-US" sz="2400" b="0" dirty="0"/>
+              <a:t>的唯一候选码。</a:t>
+            </a:r>
+            <a:endParaRPr lang="en-US" altLang="zh-CN" sz="2400" b="0" dirty="0"/>
+          </a:p>
+          <a:p>
+            <a:pPr marL="0" indent="0">
+              <a:buNone/>
+            </a:pPr>
+            <a:endParaRPr lang="en-US" altLang="zh-CN" sz="1400" b="0" dirty="0"/>
+          </a:p>
+          <a:p>
+            <a:pPr marL="0" indent="0">
+              <a:buNone/>
+            </a:pPr>
+            <a:endParaRPr lang="zh-CN" altLang="en-US" sz="1400" b="0" dirty="0"/>
+          </a:p>
+          <a:p>
+            <a:endParaRPr lang="zh-CN" altLang="en-US" sz="1400" dirty="0"/>
+          </a:p>
+        </p:txBody>
+      </p:sp>
+    </p:spTree>
+    <p:extLst>
+      <p:ext uri="{BB962C8B-B14F-4D97-AF65-F5344CB8AC3E}">
+        <p14:creationId xmlns:p14="http://schemas.microsoft.com/office/powerpoint/2010/main" val="1041794781"/>
+      </p:ext>
+    </p:extLst>
+  </p:cSld>
+  <p:clrMapOvr>
+    <a:masterClrMapping/>
+  </p:clrMapOvr>
+</p:sld>
+</file>
+
+<file path=ppt/slides/slide65.xml><?xml version="1.0" encoding="utf-8"?>
+<p:sld xmlns:a="http://schemas.openxmlformats.org/drawingml/2006/main" xmlns:r="http://schemas.openxmlformats.org/officeDocument/2006/relationships" xmlns:p="http://schemas.openxmlformats.org/presentationml/2006/main">
+  <p:cSld>
+    <p:spTree>
+      <p:nvGrpSpPr>
+        <p:cNvPr id="1" name=""/>
+        <p:cNvGrpSpPr/>
+        <p:nvPr/>
+      </p:nvGrpSpPr>
+      <p:grpSpPr>
+        <a:xfrm>
+          <a:off x="0" y="0"/>
+          <a:ext cx="0" cy="0"/>
+          <a:chOff x="0" y="0"/>
+          <a:chExt cx="0" cy="0"/>
+        </a:xfrm>
+      </p:grpSpPr>
+      <p:sp>
+        <p:nvSpPr>
+          <p:cNvPr id="2" name="标题 1">
+            <a:extLst>
+              <a:ext uri="{FF2B5EF4-FFF2-40B4-BE49-F238E27FC236}">
+                <a16:creationId xmlns:a16="http://schemas.microsoft.com/office/drawing/2014/main" id="{DB0C4139-5593-4B50-81FB-BD65C1D9439C}"/>
+              </a:ext>
+            </a:extLst>
+          </p:cNvPr>
+          <p:cNvSpPr>
+            <a:spLocks noGrp="1"/>
+          </p:cNvSpPr>
+          <p:nvPr>
+            <p:ph type="title"/>
+          </p:nvPr>
+        </p:nvSpPr>
+        <p:spPr/>
+        <p:txBody>
+          <a:bodyPr/>
+          <a:lstStyle/>
+          <a:p>
+            <a:endParaRPr lang="zh-CN" altLang="en-US"/>
+          </a:p>
+        </p:txBody>
+      </p:sp>
+      <p:sp>
+        <p:nvSpPr>
+          <p:cNvPr id="3" name="内容占位符 2">
+            <a:extLst>
+              <a:ext uri="{FF2B5EF4-FFF2-40B4-BE49-F238E27FC236}">
+                <a16:creationId xmlns:a16="http://schemas.microsoft.com/office/drawing/2014/main" id="{34B8F88C-514F-483D-9F47-280C09617ACA}"/>
+              </a:ext>
+            </a:extLst>
+          </p:cNvPr>
+          <p:cNvSpPr>
+            <a:spLocks noGrp="1"/>
+          </p:cNvSpPr>
+          <p:nvPr>
+            <p:ph idx="1"/>
+          </p:nvPr>
+        </p:nvSpPr>
+        <p:spPr/>
+        <p:txBody>
+          <a:bodyPr/>
+          <a:lstStyle/>
+          <a:p>
+            <a:pPr marL="0" indent="0">
+              <a:buNone/>
+            </a:pPr>
+            <a:r>
+              <a:rPr lang="zh-CN" altLang="en-US" sz="2400" dirty="0">
+                <a:effectLst>
+                  <a:outerShdw blurRad="38100" dist="38100" dir="2700000" algn="tl">
+                    <a:srgbClr val="000000">
+                      <a:alpha val="43137"/>
+                    </a:srgbClr>
+                  </a:outerShdw>
+                </a:effectLst>
+              </a:rPr>
+              <a:t>例：</a:t>
+            </a:r>
+            <a:endParaRPr lang="en-US" altLang="zh-CN" sz="2400" dirty="0">
+              <a:effectLst>
+                <a:outerShdw blurRad="38100" dist="38100" dir="2700000" algn="tl">
+                  <a:srgbClr val="000000">
+                    <a:alpha val="43137"/>
+                  </a:srgbClr>
+                </a:outerShdw>
+              </a:effectLst>
+            </a:endParaRPr>
+          </a:p>
+          <a:p>
+            <a:pPr marL="0" indent="0">
+              <a:buNone/>
+            </a:pPr>
+            <a:r>
+              <a:rPr lang="zh-CN" altLang="en-US" sz="2400" b="0" dirty="0"/>
+              <a:t>设有关系模式</a:t>
+            </a:r>
+            <a:r>
+              <a:rPr lang="en-US" altLang="zh-CN" sz="2400" b="0" dirty="0"/>
+              <a:t>R</a:t>
+            </a:r>
+            <a:r>
+              <a:rPr lang="zh-CN" altLang="en-US" sz="2400" b="0" dirty="0"/>
+              <a:t>（</a:t>
+            </a:r>
+            <a:r>
+              <a:rPr lang="en-US" altLang="zh-CN" sz="2400" b="0" dirty="0"/>
+              <a:t>A</a:t>
+            </a:r>
+            <a:r>
+              <a:rPr lang="zh-CN" altLang="en-US" sz="2400" b="0" dirty="0"/>
+              <a:t>，</a:t>
+            </a:r>
+            <a:r>
+              <a:rPr lang="en-US" altLang="zh-CN" sz="2400" b="0" dirty="0"/>
+              <a:t>B</a:t>
+            </a:r>
+            <a:r>
+              <a:rPr lang="zh-CN" altLang="en-US" sz="2400" b="0" dirty="0"/>
+              <a:t>，</a:t>
+            </a:r>
+            <a:r>
+              <a:rPr lang="en-US" altLang="zh-CN" sz="2400" b="0" dirty="0"/>
+              <a:t>C</a:t>
+            </a:r>
+            <a:r>
+              <a:rPr lang="zh-CN" altLang="en-US" sz="2400" b="0" dirty="0"/>
+              <a:t>，</a:t>
+            </a:r>
+            <a:r>
+              <a:rPr lang="en-US" altLang="zh-CN" sz="2400" b="0" dirty="0"/>
+              <a:t>D</a:t>
+            </a:r>
+            <a:r>
+              <a:rPr lang="zh-CN" altLang="en-US" sz="2400" b="0" dirty="0"/>
+              <a:t>），</a:t>
+            </a:r>
+            <a:endParaRPr lang="en-US" altLang="zh-CN" sz="2400" b="0" dirty="0"/>
+          </a:p>
+          <a:p>
+            <a:pPr marL="0" indent="0">
+              <a:buNone/>
+            </a:pPr>
+            <a:r>
+              <a:rPr lang="zh-CN" altLang="en-US" sz="2400" b="0" dirty="0"/>
+              <a:t>其函数依赖集</a:t>
+            </a:r>
+            <a:r>
+              <a:rPr lang="en-US" altLang="zh-CN" sz="2400" b="0" dirty="0"/>
+              <a:t>F={D→B</a:t>
+            </a:r>
+            <a:r>
+              <a:rPr lang="zh-CN" altLang="en-US" sz="2400" b="0" dirty="0"/>
+              <a:t>，</a:t>
+            </a:r>
+            <a:r>
+              <a:rPr lang="en-US" altLang="zh-CN" sz="2400" b="0" dirty="0"/>
+              <a:t>B →D</a:t>
+            </a:r>
+            <a:r>
+              <a:rPr lang="zh-CN" altLang="en-US" sz="2400" b="0" dirty="0"/>
+              <a:t>，</a:t>
+            </a:r>
+            <a:r>
+              <a:rPr lang="en-US" altLang="zh-CN" sz="2400" b="0" dirty="0"/>
+              <a:t>AD →B</a:t>
+            </a:r>
+            <a:r>
+              <a:rPr lang="zh-CN" altLang="en-US" sz="2400" b="0" dirty="0"/>
+              <a:t>，</a:t>
+            </a:r>
+            <a:r>
+              <a:rPr lang="en-US" altLang="zh-CN" sz="2400" b="0" dirty="0"/>
+              <a:t>AC →D}</a:t>
+            </a:r>
+            <a:r>
+              <a:rPr lang="zh-CN" altLang="en-US" sz="2400" b="0" dirty="0"/>
+              <a:t>，</a:t>
+            </a:r>
+            <a:endParaRPr lang="en-US" altLang="zh-CN" sz="2400" b="0" dirty="0"/>
+          </a:p>
+          <a:p>
+            <a:pPr marL="0" indent="0">
+              <a:buNone/>
+            </a:pPr>
+            <a:r>
+              <a:rPr lang="zh-CN" altLang="en-US" sz="2400" b="0" dirty="0"/>
+              <a:t>求</a:t>
+            </a:r>
+            <a:r>
+              <a:rPr lang="en-US" altLang="zh-CN" sz="2400" b="0" dirty="0"/>
+              <a:t>R</a:t>
+            </a:r>
+            <a:r>
+              <a:rPr lang="zh-CN" altLang="en-US" sz="2400" b="0" dirty="0"/>
+              <a:t>的所有候选码。</a:t>
+            </a:r>
+            <a:endParaRPr lang="en-US" altLang="zh-CN" sz="2400" b="0" dirty="0"/>
+          </a:p>
+          <a:p>
+            <a:pPr marL="0" indent="0">
+              <a:buNone/>
+            </a:pPr>
+            <a:endParaRPr lang="zh-CN" altLang="en-US" b="0" dirty="0"/>
+          </a:p>
+          <a:p>
+            <a:pPr marL="0" indent="0">
+              <a:buNone/>
+            </a:pPr>
+            <a:r>
+              <a:rPr lang="zh-CN" altLang="en-US" sz="2400" dirty="0">
+                <a:effectLst>
+                  <a:outerShdw blurRad="38100" dist="38100" dir="2700000" algn="tl">
+                    <a:srgbClr val="000000">
+                      <a:alpha val="43137"/>
+                    </a:srgbClr>
+                  </a:outerShdw>
+                </a:effectLst>
+              </a:rPr>
+              <a:t>解：</a:t>
+            </a:r>
+            <a:endParaRPr lang="en-US" altLang="zh-CN" sz="2400" dirty="0">
+              <a:effectLst>
+                <a:outerShdw blurRad="38100" dist="38100" dir="2700000" algn="tl">
+                  <a:srgbClr val="000000">
+                    <a:alpha val="43137"/>
+                  </a:srgbClr>
+                </a:outerShdw>
+              </a:effectLst>
+            </a:endParaRPr>
+          </a:p>
+          <a:p>
+            <a:pPr marL="0" indent="0">
+              <a:buNone/>
+            </a:pPr>
+            <a:r>
+              <a:rPr lang="zh-CN" altLang="en-US" sz="2400" b="0" dirty="0"/>
+              <a:t>考察</a:t>
+            </a:r>
+            <a:r>
+              <a:rPr lang="en-US" altLang="zh-CN" sz="2400" b="0" dirty="0"/>
+              <a:t>F</a:t>
+            </a:r>
+            <a:r>
+              <a:rPr lang="zh-CN" altLang="en-US" sz="2400" b="0" dirty="0"/>
+              <a:t>发现，</a:t>
+            </a:r>
+            <a:r>
+              <a:rPr lang="en-US" altLang="zh-CN" sz="2400" b="0" dirty="0"/>
+              <a:t>A</a:t>
+            </a:r>
+            <a:r>
+              <a:rPr lang="zh-CN" altLang="en-US" sz="2400" b="0" dirty="0"/>
+              <a:t>，</a:t>
+            </a:r>
+            <a:r>
+              <a:rPr lang="en-US" altLang="zh-CN" sz="2400" b="0" dirty="0"/>
+              <a:t>C</a:t>
+            </a:r>
+            <a:r>
+              <a:rPr lang="zh-CN" altLang="en-US" sz="2400" b="0" dirty="0"/>
+              <a:t>两属性是</a:t>
+            </a:r>
+            <a:r>
+              <a:rPr lang="en-US" altLang="zh-CN" sz="2400" b="0" dirty="0"/>
+              <a:t>L</a:t>
+            </a:r>
+            <a:r>
+              <a:rPr lang="zh-CN" altLang="en-US" sz="2400" b="0" dirty="0"/>
+              <a:t>类属性，</a:t>
+            </a:r>
+            <a:endParaRPr lang="en-US" altLang="zh-CN" sz="2400" b="0" dirty="0"/>
+          </a:p>
+          <a:p>
+            <a:pPr marL="0" indent="0">
+              <a:buNone/>
+            </a:pPr>
+            <a:r>
+              <a:rPr lang="zh-CN" altLang="en-US" sz="2400" b="0" dirty="0"/>
+              <a:t>所以</a:t>
+            </a:r>
+            <a:r>
+              <a:rPr lang="en-US" altLang="zh-CN" sz="2400" b="0" dirty="0"/>
+              <a:t>AC</a:t>
+            </a:r>
+            <a:r>
+              <a:rPr lang="zh-CN" altLang="en-US" sz="2400" b="0" dirty="0"/>
+              <a:t>必是</a:t>
+            </a:r>
+            <a:r>
+              <a:rPr lang="en-US" altLang="zh-CN" sz="2400" b="0" dirty="0"/>
+              <a:t>R</a:t>
+            </a:r>
+            <a:r>
+              <a:rPr lang="zh-CN" altLang="en-US" sz="2400" b="0" dirty="0"/>
+              <a:t>的候选码成员，</a:t>
+            </a:r>
+            <a:endParaRPr lang="en-US" altLang="zh-CN" sz="2400" b="0" dirty="0"/>
+          </a:p>
+          <a:p>
+            <a:pPr marL="0" indent="0">
+              <a:buNone/>
+            </a:pPr>
+            <a:r>
+              <a:rPr lang="zh-CN" altLang="en-US" sz="2400" b="0" dirty="0"/>
+              <a:t>又因为（</a:t>
+            </a:r>
+            <a:r>
+              <a:rPr lang="en-US" altLang="zh-CN" sz="2400" b="0" dirty="0"/>
+              <a:t>AC</a:t>
+            </a:r>
+            <a:r>
+              <a:rPr lang="zh-CN" altLang="en-US" sz="2400" b="0" dirty="0"/>
+              <a:t>）</a:t>
+            </a:r>
+            <a:r>
+              <a:rPr lang="en-US" altLang="zh-CN" sz="2400" b="0" baseline="30000" dirty="0"/>
+              <a:t>+</a:t>
+            </a:r>
+            <a:r>
+              <a:rPr lang="en-US" altLang="zh-CN" sz="2400" b="0" dirty="0"/>
+              <a:t>=ABCD</a:t>
+            </a:r>
+            <a:r>
+              <a:rPr lang="zh-CN" altLang="en-US" sz="2400" b="0" dirty="0"/>
+              <a:t>，所以</a:t>
+            </a:r>
+            <a:r>
+              <a:rPr lang="en-US" altLang="zh-CN" sz="2400" b="0" dirty="0"/>
+              <a:t>AC</a:t>
+            </a:r>
+            <a:r>
+              <a:rPr lang="zh-CN" altLang="en-US" sz="2400" b="0" dirty="0"/>
+              <a:t>是</a:t>
+            </a:r>
+            <a:r>
+              <a:rPr lang="en-US" altLang="zh-CN" sz="2400" b="0" dirty="0"/>
+              <a:t>R</a:t>
+            </a:r>
+            <a:r>
+              <a:rPr lang="zh-CN" altLang="en-US" sz="2400" b="0" dirty="0"/>
+              <a:t>的唯一候选码。</a:t>
+            </a:r>
+          </a:p>
+          <a:p>
+            <a:endParaRPr lang="zh-CN" altLang="en-US" dirty="0"/>
+          </a:p>
+        </p:txBody>
+      </p:sp>
+    </p:spTree>
+    <p:extLst>
+      <p:ext uri="{BB962C8B-B14F-4D97-AF65-F5344CB8AC3E}">
+        <p14:creationId xmlns:p14="http://schemas.microsoft.com/office/powerpoint/2010/main" val="777366088"/>
+      </p:ext>
+    </p:extLst>
+  </p:cSld>
+  <p:clrMapOvr>
+    <a:masterClrMapping/>
+  </p:clrMapOvr>
+</p:sld>
+</file>
+
+<file path=ppt/slides/slide66.xml><?xml version="1.0" encoding="utf-8"?>
+<p:sld xmlns:a="http://schemas.openxmlformats.org/drawingml/2006/main" xmlns:r="http://schemas.openxmlformats.org/officeDocument/2006/relationships" xmlns:p="http://schemas.openxmlformats.org/presentationml/2006/main">
+  <p:cSld>
+    <p:spTree>
+      <p:nvGrpSpPr>
+        <p:cNvPr id="1" name=""/>
+        <p:cNvGrpSpPr/>
+        <p:nvPr/>
+      </p:nvGrpSpPr>
+      <p:grpSpPr>
+        <a:xfrm>
+          <a:off x="0" y="0"/>
+          <a:ext cx="0" cy="0"/>
+          <a:chOff x="0" y="0"/>
+          <a:chExt cx="0" cy="0"/>
+        </a:xfrm>
+      </p:grpSpPr>
+      <p:sp>
+        <p:nvSpPr>
+          <p:cNvPr id="2" name="标题 1">
+            <a:extLst>
+              <a:ext uri="{FF2B5EF4-FFF2-40B4-BE49-F238E27FC236}">
+                <a16:creationId xmlns:a16="http://schemas.microsoft.com/office/drawing/2014/main" id="{36718020-5117-43EA-A31A-7D97E111DFA2}"/>
+              </a:ext>
+            </a:extLst>
+          </p:cNvPr>
+          <p:cNvSpPr>
+            <a:spLocks noGrp="1"/>
+          </p:cNvSpPr>
+          <p:nvPr>
+            <p:ph type="title"/>
+          </p:nvPr>
+        </p:nvSpPr>
+        <p:spPr/>
+        <p:txBody>
+          <a:bodyPr/>
+          <a:lstStyle/>
+          <a:p>
+            <a:endParaRPr lang="zh-CN" altLang="en-US"/>
+          </a:p>
+        </p:txBody>
+      </p:sp>
+      <p:sp>
+        <p:nvSpPr>
+          <p:cNvPr id="3" name="内容占位符 2">
+            <a:extLst>
+              <a:ext uri="{FF2B5EF4-FFF2-40B4-BE49-F238E27FC236}">
+                <a16:creationId xmlns:a16="http://schemas.microsoft.com/office/drawing/2014/main" id="{F6B05BEF-A9E6-497D-BD13-7E77A60EB678}"/>
+              </a:ext>
+            </a:extLst>
+          </p:cNvPr>
+          <p:cNvSpPr>
+            <a:spLocks noGrp="1"/>
+          </p:cNvSpPr>
+          <p:nvPr>
+            <p:ph idx="1"/>
+          </p:nvPr>
+        </p:nvSpPr>
+        <p:spPr/>
+        <p:txBody>
+          <a:bodyPr/>
+          <a:lstStyle/>
+          <a:p>
+            <a:pPr marL="0" indent="0">
+              <a:buNone/>
+            </a:pPr>
+            <a:r>
+              <a:rPr lang="zh-CN" altLang="en-US" sz="2400" dirty="0">
+                <a:effectLst>
+                  <a:outerShdw blurRad="38100" dist="38100" dir="2700000" algn="tl">
+                    <a:srgbClr val="000000">
+                      <a:alpha val="43137"/>
+                    </a:srgbClr>
+                  </a:outerShdw>
+                </a:effectLst>
+              </a:rPr>
+              <a:t>定理：</a:t>
+            </a:r>
+            <a:r>
+              <a:rPr lang="zh-CN" altLang="en-US" sz="2400" b="0" dirty="0"/>
+              <a:t>对于给定的关系模式</a:t>
+            </a:r>
+            <a:r>
+              <a:rPr lang="en-US" altLang="zh-CN" sz="2400" b="0" dirty="0"/>
+              <a:t>R</a:t>
+            </a:r>
+            <a:r>
+              <a:rPr lang="zh-CN" altLang="en-US" sz="2400" b="0" dirty="0"/>
+              <a:t>及其函数依赖集</a:t>
+            </a:r>
+            <a:r>
+              <a:rPr lang="en-US" altLang="zh-CN" sz="2400" b="0" dirty="0"/>
+              <a:t>F</a:t>
+            </a:r>
+            <a:r>
+              <a:rPr lang="zh-CN" altLang="en-US" sz="2400" b="0" dirty="0"/>
+              <a:t>，</a:t>
+            </a:r>
+            <a:endParaRPr lang="en-US" altLang="zh-CN" sz="2400" b="0" dirty="0"/>
+          </a:p>
+          <a:p>
+            <a:pPr marL="0" indent="0">
+              <a:buNone/>
+            </a:pPr>
+            <a:r>
+              <a:rPr lang="zh-CN" altLang="en-US" sz="2400" b="0" dirty="0"/>
+              <a:t>若</a:t>
+            </a:r>
+            <a:r>
+              <a:rPr lang="en-US" altLang="zh-CN" sz="2400" b="0" dirty="0"/>
+              <a:t>X</a:t>
+            </a:r>
+            <a:r>
+              <a:rPr lang="zh-CN" altLang="en-US" sz="2400" b="0" dirty="0"/>
+              <a:t>（</a:t>
+            </a:r>
+            <a:r>
+              <a:rPr lang="en-US" altLang="zh-CN" sz="2400" b="0" dirty="0"/>
+              <a:t>X∈R</a:t>
+            </a:r>
+            <a:r>
+              <a:rPr lang="zh-CN" altLang="en-US" sz="2400" b="0" dirty="0"/>
+              <a:t>）是</a:t>
+            </a:r>
+            <a:r>
+              <a:rPr lang="en-US" altLang="zh-CN" sz="2400" b="0" dirty="0"/>
+              <a:t>R</a:t>
+            </a:r>
+            <a:r>
+              <a:rPr lang="zh-CN" altLang="en-US" sz="2400" b="0" dirty="0"/>
+              <a:t>类属性，则</a:t>
+            </a:r>
+            <a:r>
+              <a:rPr lang="en-US" altLang="zh-CN" sz="2400" b="0" dirty="0"/>
+              <a:t>X</a:t>
+            </a:r>
+            <a:r>
+              <a:rPr lang="zh-CN" altLang="en-US" sz="2400" b="0" dirty="0"/>
+              <a:t>不在任何候选码中。</a:t>
+            </a:r>
+            <a:endParaRPr lang="en-US" altLang="zh-CN" sz="2400" b="0" dirty="0"/>
+          </a:p>
+          <a:p>
+            <a:pPr marL="0" indent="0">
+              <a:buNone/>
+            </a:pPr>
+            <a:endParaRPr lang="zh-CN" altLang="en-US" sz="2400" b="0" dirty="0"/>
+          </a:p>
+          <a:p>
+            <a:pPr marL="0" indent="0">
+              <a:buNone/>
+            </a:pPr>
+            <a:r>
+              <a:rPr lang="zh-CN" altLang="en-US" sz="2400" dirty="0">
+                <a:effectLst>
+                  <a:outerShdw blurRad="38100" dist="38100" dir="2700000" algn="tl">
+                    <a:srgbClr val="000000">
+                      <a:alpha val="43137"/>
+                    </a:srgbClr>
+                  </a:outerShdw>
+                </a:effectLst>
+              </a:rPr>
+              <a:t>定理：</a:t>
+            </a:r>
+            <a:r>
+              <a:rPr lang="zh-CN" altLang="en-US" sz="2400" b="0" dirty="0"/>
+              <a:t>对于给定的关系模式</a:t>
+            </a:r>
+            <a:r>
+              <a:rPr lang="en-US" altLang="zh-CN" sz="2400" b="0" dirty="0"/>
+              <a:t>R</a:t>
+            </a:r>
+            <a:r>
+              <a:rPr lang="zh-CN" altLang="en-US" sz="2400" b="0" dirty="0"/>
+              <a:t>及其函数依赖集</a:t>
+            </a:r>
+            <a:r>
+              <a:rPr lang="en-US" altLang="zh-CN" sz="2400" b="0" dirty="0"/>
+              <a:t>F</a:t>
+            </a:r>
+            <a:r>
+              <a:rPr lang="zh-CN" altLang="en-US" sz="2400" b="0" dirty="0"/>
+              <a:t>，</a:t>
+            </a:r>
+            <a:endParaRPr lang="en-US" altLang="zh-CN" sz="2400" b="0" dirty="0"/>
+          </a:p>
+          <a:p>
+            <a:pPr marL="0" indent="0">
+              <a:buNone/>
+            </a:pPr>
+            <a:r>
+              <a:rPr lang="zh-CN" altLang="en-US" sz="2400" b="0" dirty="0"/>
+              <a:t>若</a:t>
+            </a:r>
+            <a:r>
+              <a:rPr lang="en-US" altLang="zh-CN" sz="2400" b="0" dirty="0"/>
+              <a:t>X</a:t>
+            </a:r>
+            <a:r>
+              <a:rPr lang="zh-CN" altLang="en-US" sz="2400" b="0" dirty="0"/>
+              <a:t>（</a:t>
+            </a:r>
+            <a:r>
+              <a:rPr lang="en-US" altLang="zh-CN" sz="2400" b="0" dirty="0"/>
+              <a:t>X∈R</a:t>
+            </a:r>
+            <a:r>
+              <a:rPr lang="zh-CN" altLang="en-US" sz="2400" b="0" dirty="0"/>
+              <a:t>）是</a:t>
+            </a:r>
+            <a:r>
+              <a:rPr lang="en-US" altLang="zh-CN" sz="2400" b="0" dirty="0"/>
+              <a:t>N</a:t>
+            </a:r>
+            <a:r>
+              <a:rPr lang="zh-CN" altLang="en-US" sz="2400" b="0" dirty="0"/>
+              <a:t>类属性，则</a:t>
+            </a:r>
+            <a:r>
+              <a:rPr lang="en-US" altLang="zh-CN" sz="2400" b="0" dirty="0"/>
+              <a:t>X</a:t>
+            </a:r>
+            <a:r>
+              <a:rPr lang="zh-CN" altLang="en-US" sz="2400" b="0" dirty="0"/>
+              <a:t>必包含在</a:t>
+            </a:r>
+            <a:r>
+              <a:rPr lang="en-US" altLang="zh-CN" sz="2400" b="0" dirty="0"/>
+              <a:t>R</a:t>
+            </a:r>
+            <a:r>
+              <a:rPr lang="zh-CN" altLang="en-US" sz="2400" b="0" dirty="0"/>
+              <a:t>的任一候选码中。</a:t>
+            </a:r>
+            <a:endParaRPr lang="en-US" altLang="zh-CN" sz="2400" b="0" dirty="0"/>
+          </a:p>
+          <a:p>
+            <a:pPr marL="0" indent="0">
+              <a:buNone/>
+            </a:pPr>
+            <a:endParaRPr lang="zh-CN" altLang="en-US" sz="2400" b="0" dirty="0"/>
+          </a:p>
+          <a:p>
+            <a:pPr marL="0" indent="0">
+              <a:buNone/>
+            </a:pPr>
+            <a:r>
+              <a:rPr lang="zh-CN" altLang="en-US" sz="2400" dirty="0">
+                <a:effectLst>
+                  <a:outerShdw blurRad="38100" dist="38100" dir="2700000" algn="tl">
+                    <a:srgbClr val="000000">
+                      <a:alpha val="43137"/>
+                    </a:srgbClr>
+                  </a:outerShdw>
+                </a:effectLst>
+              </a:rPr>
+              <a:t>推论：</a:t>
+            </a:r>
+            <a:r>
+              <a:rPr lang="zh-CN" altLang="en-US" sz="2400" b="0" dirty="0"/>
+              <a:t>对于给定的关系模式</a:t>
+            </a:r>
+            <a:r>
+              <a:rPr lang="en-US" altLang="zh-CN" sz="2400" b="0" dirty="0"/>
+              <a:t>R</a:t>
+            </a:r>
+            <a:r>
+              <a:rPr lang="zh-CN" altLang="en-US" sz="2400" b="0" dirty="0"/>
+              <a:t>及其函数依赖集</a:t>
+            </a:r>
+            <a:r>
+              <a:rPr lang="en-US" altLang="zh-CN" sz="2400" b="0" dirty="0"/>
+              <a:t>F</a:t>
+            </a:r>
+            <a:r>
+              <a:rPr lang="zh-CN" altLang="en-US" sz="2400" b="0" dirty="0"/>
+              <a:t>，</a:t>
+            </a:r>
+            <a:endParaRPr lang="en-US" altLang="zh-CN" sz="2400" b="0" dirty="0"/>
+          </a:p>
+          <a:p>
+            <a:pPr marL="0" indent="0">
+              <a:buNone/>
+            </a:pPr>
+            <a:r>
+              <a:rPr lang="zh-CN" altLang="en-US" sz="2400" b="0" dirty="0">
+                <a:highlight>
+                  <a:srgbClr val="FFFF00"/>
+                </a:highlight>
+              </a:rPr>
+              <a:t>若</a:t>
+            </a:r>
+            <a:r>
+              <a:rPr lang="en-US" altLang="zh-CN" sz="2400" b="0" dirty="0">
+                <a:highlight>
+                  <a:srgbClr val="FFFF00"/>
+                </a:highlight>
+              </a:rPr>
+              <a:t>X</a:t>
+            </a:r>
+            <a:r>
+              <a:rPr lang="zh-CN" altLang="en-US" sz="2400" b="0" dirty="0">
+                <a:highlight>
+                  <a:srgbClr val="FFFF00"/>
+                </a:highlight>
+              </a:rPr>
+              <a:t>（</a:t>
+            </a:r>
+            <a:r>
+              <a:rPr lang="en-US" altLang="zh-CN" sz="2400" b="0" dirty="0">
+                <a:highlight>
+                  <a:srgbClr val="FFFF00"/>
+                </a:highlight>
+              </a:rPr>
+              <a:t>X∈R</a:t>
+            </a:r>
+            <a:r>
+              <a:rPr lang="zh-CN" altLang="en-US" sz="2400" b="0" dirty="0">
+                <a:highlight>
+                  <a:srgbClr val="FFFF00"/>
+                </a:highlight>
+              </a:rPr>
+              <a:t>）是</a:t>
+            </a:r>
+            <a:r>
+              <a:rPr lang="en-US" altLang="zh-CN" sz="2400" dirty="0">
+                <a:solidFill>
+                  <a:srgbClr val="FF0000"/>
+                </a:solidFill>
+                <a:highlight>
+                  <a:srgbClr val="FFFF00"/>
+                </a:highlight>
+              </a:rPr>
+              <a:t>L</a:t>
+            </a:r>
+            <a:r>
+              <a:rPr lang="zh-CN" altLang="en-US" sz="2400" dirty="0">
+                <a:solidFill>
+                  <a:srgbClr val="FF0000"/>
+                </a:solidFill>
+                <a:highlight>
+                  <a:srgbClr val="FFFF00"/>
+                </a:highlight>
+              </a:rPr>
+              <a:t>类和</a:t>
+            </a:r>
+            <a:r>
+              <a:rPr lang="en-US" altLang="zh-CN" sz="2400" dirty="0">
+                <a:solidFill>
+                  <a:srgbClr val="FF0000"/>
+                </a:solidFill>
+                <a:highlight>
+                  <a:srgbClr val="FFFF00"/>
+                </a:highlight>
+              </a:rPr>
+              <a:t>N</a:t>
+            </a:r>
+            <a:r>
+              <a:rPr lang="zh-CN" altLang="en-US" sz="2400" dirty="0">
+                <a:solidFill>
+                  <a:srgbClr val="FF0000"/>
+                </a:solidFill>
+                <a:highlight>
+                  <a:srgbClr val="FFFF00"/>
+                </a:highlight>
+              </a:rPr>
+              <a:t>类组成的属性集</a:t>
+            </a:r>
+            <a:r>
+              <a:rPr lang="zh-CN" altLang="en-US" sz="2400" b="0" dirty="0">
+                <a:highlight>
+                  <a:srgbClr val="FFFF00"/>
+                </a:highlight>
+              </a:rPr>
+              <a:t>，且</a:t>
+            </a:r>
+            <a:r>
+              <a:rPr lang="en-US" altLang="zh-CN" sz="2400" b="0" dirty="0">
+                <a:highlight>
+                  <a:srgbClr val="FFFF00"/>
+                </a:highlight>
+              </a:rPr>
+              <a:t>X</a:t>
+            </a:r>
+            <a:r>
+              <a:rPr lang="en-US" altLang="zh-CN" sz="2400" b="0" baseline="30000" dirty="0">
+                <a:highlight>
+                  <a:srgbClr val="FFFF00"/>
+                </a:highlight>
+              </a:rPr>
+              <a:t>+</a:t>
+            </a:r>
+            <a:r>
+              <a:rPr lang="zh-CN" altLang="en-US" sz="2400" b="0" dirty="0">
+                <a:highlight>
+                  <a:srgbClr val="FFFF00"/>
+                </a:highlight>
+              </a:rPr>
+              <a:t>包含了</a:t>
+            </a:r>
+            <a:r>
+              <a:rPr lang="en-US" altLang="zh-CN" sz="2400" b="0" dirty="0">
+                <a:highlight>
+                  <a:srgbClr val="FFFF00"/>
+                </a:highlight>
+              </a:rPr>
+              <a:t>R</a:t>
+            </a:r>
+            <a:r>
+              <a:rPr lang="zh-CN" altLang="en-US" sz="2400" b="0" dirty="0">
+                <a:highlight>
+                  <a:srgbClr val="FFFF00"/>
+                </a:highlight>
+              </a:rPr>
+              <a:t>的全部属性；则</a:t>
+            </a:r>
+            <a:r>
+              <a:rPr lang="en-US" altLang="zh-CN" sz="2400" b="0" dirty="0">
+                <a:highlight>
+                  <a:srgbClr val="FFFF00"/>
+                </a:highlight>
+              </a:rPr>
+              <a:t>X</a:t>
+            </a:r>
+            <a:r>
+              <a:rPr lang="zh-CN" altLang="en-US" sz="2400" b="0" dirty="0">
+                <a:highlight>
+                  <a:srgbClr val="FFFF00"/>
+                </a:highlight>
+              </a:rPr>
+              <a:t>是</a:t>
+            </a:r>
+            <a:r>
+              <a:rPr lang="en-US" altLang="zh-CN" sz="2400" b="0" dirty="0">
+                <a:highlight>
+                  <a:srgbClr val="FFFF00"/>
+                </a:highlight>
+              </a:rPr>
+              <a:t>R</a:t>
+            </a:r>
+            <a:r>
+              <a:rPr lang="zh-CN" altLang="en-US" sz="2400" b="0" dirty="0">
+                <a:highlight>
+                  <a:srgbClr val="FFFF00"/>
+                </a:highlight>
+              </a:rPr>
+              <a:t>的唯一候选码。</a:t>
+            </a:r>
+          </a:p>
+          <a:p>
+            <a:endParaRPr lang="zh-CN" altLang="en-US" dirty="0"/>
+          </a:p>
+        </p:txBody>
+      </p:sp>
+    </p:spTree>
+    <p:extLst>
+      <p:ext uri="{BB962C8B-B14F-4D97-AF65-F5344CB8AC3E}">
+        <p14:creationId xmlns:p14="http://schemas.microsoft.com/office/powerpoint/2010/main" val="2346164934"/>
+      </p:ext>
+    </p:extLst>
+  </p:cSld>
+  <p:clrMapOvr>
+    <a:masterClrMapping/>
+  </p:clrMapOvr>
+</p:sld>
+</file>
+
+<file path=ppt/slides/slide67.xml><?xml version="1.0" encoding="utf-8"?>
+<p:sld xmlns:a="http://schemas.openxmlformats.org/drawingml/2006/main" xmlns:r="http://schemas.openxmlformats.org/officeDocument/2006/relationships" xmlns:p="http://schemas.openxmlformats.org/presentationml/2006/main">
+  <p:cSld>
+    <p:spTree>
+      <p:nvGrpSpPr>
+        <p:cNvPr id="1" name=""/>
+        <p:cNvGrpSpPr/>
+        <p:nvPr/>
+      </p:nvGrpSpPr>
+      <p:grpSpPr>
+        <a:xfrm>
+          <a:off x="0" y="0"/>
+          <a:ext cx="0" cy="0"/>
+          <a:chOff x="0" y="0"/>
+          <a:chExt cx="0" cy="0"/>
+        </a:xfrm>
+      </p:grpSpPr>
+      <p:sp>
+        <p:nvSpPr>
+          <p:cNvPr id="2" name="标题 1">
+            <a:extLst>
+              <a:ext uri="{FF2B5EF4-FFF2-40B4-BE49-F238E27FC236}">
                 <a16:creationId xmlns:a16="http://schemas.microsoft.com/office/drawing/2014/main" id="{125A0DB4-1A9C-4714-B527-A3FAAB6920E8}"/>
               </a:ext>
             </a:extLst>
@@ -42823,23 +44513,23 @@
               <a:buNone/>
             </a:pPr>
             <a:r>
-              <a:rPr lang="en-US" altLang="zh-CN" sz="1600" dirty="0"/>
-              <a:t>(1) L=(A , C ), R=</a:t>
-            </a:r>
-            <a:r>
-              <a:rPr lang="zh-CN" altLang="en-US" sz="1600" dirty="0"/>
+              <a:rPr lang="en-US" altLang="zh-CN" sz="2000" dirty="0"/>
+              <a:t>(1) L=(A , C), R=</a:t>
+            </a:r>
+            <a:r>
+              <a:rPr lang="zh-CN" altLang="en-US" sz="2000" dirty="0"/>
               <a:t>空</a:t>
             </a:r>
             <a:r>
-              <a:rPr lang="en-US" altLang="zh-CN" sz="1600" dirty="0"/>
-              <a:t>, LR=(B , D ), N=</a:t>
-            </a:r>
-            <a:r>
-              <a:rPr lang="zh-CN" altLang="en-US" sz="1600" dirty="0"/>
+              <a:rPr lang="en-US" altLang="zh-CN" sz="2000" dirty="0"/>
+              <a:t>, LR=(B , D), N=</a:t>
+            </a:r>
+            <a:r>
+              <a:rPr lang="zh-CN" altLang="en-US" sz="2000" dirty="0"/>
               <a:t>空</a:t>
             </a:r>
             <a:r>
-              <a:rPr lang="en-US" altLang="zh-CN" sz="1600" dirty="0"/>
+              <a:rPr lang="en-US" altLang="zh-CN" sz="2000" dirty="0"/>
               <a:t>;</a:t>
             </a:r>
           </a:p>
@@ -42848,24 +44538,32 @@
               <a:buNone/>
             </a:pPr>
             <a:r>
-              <a:rPr lang="en-US" altLang="zh-CN" sz="1600" dirty="0"/>
-              <a:t>(2) L </a:t>
-            </a:r>
-            <a:r>
-              <a:rPr lang="zh-CN" altLang="zh-CN" sz="1600" dirty="0"/>
+              <a:rPr lang="en-US" altLang="zh-CN" sz="2000" dirty="0"/>
+              <a:t>(2) L</a:t>
+            </a:r>
+            <a:r>
+              <a:rPr lang="zh-CN" altLang="zh-CN" sz="2000" dirty="0"/>
               <a:t>∪</a:t>
             </a:r>
             <a:r>
-              <a:rPr lang="en-US" altLang="zh-CN" sz="1600" dirty="0"/>
-              <a:t> N=(A , C ),</a:t>
-            </a:r>
-            <a:r>
-              <a:rPr lang="zh-CN" altLang="zh-CN" sz="1600" dirty="0"/>
+              <a:rPr lang="en-US" altLang="zh-CN" sz="2000" dirty="0"/>
+              <a:t>N=(A , C), </a:t>
+            </a:r>
+            <a:r>
+              <a:rPr lang="zh-CN" altLang="zh-CN" sz="2000" dirty="0"/>
               <a:t>因为</a:t>
             </a:r>
             <a:r>
-              <a:rPr lang="en-US" altLang="zh-CN" sz="1600" dirty="0"/>
-              <a:t>(AC ) +=ACBD=U, </a:t>
+              <a:rPr lang="en-US" altLang="zh-CN" sz="2000" dirty="0"/>
+              <a:t>(AC) </a:t>
+            </a:r>
+            <a:r>
+              <a:rPr lang="en-US" altLang="zh-CN" sz="2000" baseline="30000" dirty="0"/>
+              <a:t>+ </a:t>
+            </a:r>
+            <a:r>
+              <a:rPr lang="en-US" altLang="zh-CN" sz="2000" dirty="0"/>
+              <a:t>= ACBD = U, </a:t>
             </a:r>
           </a:p>
           <a:p>
@@ -42898,7 +44596,7 @@
     </p:spTree>
     <p:extLst>
       <p:ext uri="{BB962C8B-B14F-4D97-AF65-F5344CB8AC3E}">
-        <p14:creationId xmlns:p14="http://schemas.microsoft.com/office/powerpoint/2010/main" val="1344607121"/>
+        <p14:creationId xmlns:p14="http://schemas.microsoft.com/office/powerpoint/2010/main" val="3236928834"/>
       </p:ext>
     </p:extLst>
   </p:cSld>
@@ -42908,7 +44606,7 @@
 </p:sld>
 </file>
 
-<file path=ppt/slides/slide63.xml><?xml version="1.0" encoding="utf-8"?>
+<file path=ppt/slides/slide68.xml><?xml version="1.0" encoding="utf-8"?>
 <p:sld xmlns:a="http://schemas.openxmlformats.org/drawingml/2006/main" xmlns:r="http://schemas.openxmlformats.org/officeDocument/2006/relationships" xmlns:p="http://schemas.openxmlformats.org/presentationml/2006/main">
   <p:cSld>
     <p:spTree>
@@ -43010,7 +44708,7 @@
             </a:pPr>
             <a:r>
               <a:rPr lang="en-US" altLang="zh-CN" dirty="0"/>
-              <a:t>F={AB-&gt;C,CD-&gt;E,E-&gt;A</a:t>
+              <a:t>F={AB→C,CD→E,E→A</a:t>
             </a:r>
             <a:r>
               <a:rPr lang="zh-CN" altLang="en-US" dirty="0"/>
@@ -43018,7 +44716,7 @@
             </a:r>
             <a:r>
               <a:rPr lang="en-US" altLang="zh-CN" dirty="0"/>
-              <a:t>A-&gt;G},</a:t>
+              <a:t>A→G},</a:t>
             </a:r>
           </a:p>
           <a:p>
@@ -43059,7 +44757,7 @@
             </a:pPr>
             <a:r>
               <a:rPr lang="en-US" altLang="zh-CN" sz="1600" dirty="0"/>
-              <a:t>       (2) L </a:t>
+              <a:t>       (2) L</a:t>
             </a:r>
             <a:r>
               <a:rPr lang="zh-CN" altLang="zh-CN" sz="1600" dirty="0"/>
@@ -43067,7 +44765,7 @@
             </a:r>
             <a:r>
               <a:rPr lang="en-US" altLang="zh-CN" sz="1600" dirty="0"/>
-              <a:t> N=(B,D) BD</a:t>
+              <a:t>N=(B,D),  (BD)</a:t>
             </a:r>
             <a:r>
               <a:rPr lang="en-US" altLang="zh-CN" sz="1600" baseline="30000" dirty="0"/>
@@ -43093,7 +44791,7 @@
             </a:r>
             <a:r>
               <a:rPr lang="en-US" altLang="zh-CN" sz="1600" dirty="0"/>
-              <a:t>AB--&gt;C,CD--&gt;E,A--&gt;G,</a:t>
+              <a:t>AB→C,CD→E, A→G,</a:t>
             </a:r>
           </a:p>
           <a:p>
@@ -43110,15 +44808,15 @@
             </a:r>
             <a:r>
               <a:rPr lang="en-US" altLang="zh-CN" sz="1600" dirty="0"/>
-              <a:t>ABD</a:t>
+              <a:t>(ABD)</a:t>
             </a:r>
             <a:r>
               <a:rPr lang="en-US" altLang="zh-CN" sz="1600" baseline="30000" dirty="0"/>
-              <a:t> +</a:t>
+              <a:t>+ </a:t>
             </a:r>
             <a:r>
               <a:rPr lang="en-US" altLang="zh-CN" sz="1600" dirty="0"/>
-              <a:t>= ABDCEG=U</a:t>
+              <a:t>= ABDCEG = U</a:t>
             </a:r>
             <a:br>
               <a:rPr lang="en-US" altLang="zh-CN" sz="1600" dirty="0"/>
@@ -43141,7 +44839,7 @@
             </a:r>
             <a:r>
               <a:rPr lang="en-US" altLang="zh-CN" sz="1600" dirty="0"/>
-              <a:t>CD--&gt;E,E--&gt;A,A--&gt; G</a:t>
+              <a:t>CD→E, E→A, A→G</a:t>
             </a:r>
           </a:p>
           <a:p>
@@ -43154,15 +44852,15 @@
             </a:r>
             <a:r>
               <a:rPr lang="en-US" altLang="zh-CN" sz="1600" dirty="0"/>
-              <a:t>BDC</a:t>
+              <a:t>(BDC)</a:t>
             </a:r>
             <a:r>
               <a:rPr lang="en-US" altLang="zh-CN" sz="1600" baseline="30000" dirty="0"/>
-              <a:t> +</a:t>
+              <a:t>+ </a:t>
             </a:r>
             <a:r>
               <a:rPr lang="en-US" altLang="zh-CN" sz="1600" dirty="0"/>
-              <a:t>= BDCEAG=U</a:t>
+              <a:t>= BDCEAG = U</a:t>
             </a:r>
             <a:br>
               <a:rPr lang="en-US" altLang="zh-CN" sz="1600" dirty="0"/>
@@ -43177,7 +44875,7 @@
             </a:r>
             <a:r>
               <a:rPr lang="en-US" altLang="zh-CN" sz="1600" dirty="0"/>
-              <a:t>E--&gt;A,A--&gt;G,AB--&gt;C,</a:t>
+              <a:t>E→A, A→G, AB→C,</a:t>
             </a:r>
           </a:p>
           <a:p>
@@ -43194,15 +44892,15 @@
             </a:r>
             <a:r>
               <a:rPr lang="en-US" altLang="zh-CN" sz="1600" dirty="0"/>
-              <a:t>BDE</a:t>
+              <a:t>(BDE)</a:t>
             </a:r>
             <a:r>
               <a:rPr lang="en-US" altLang="zh-CN" sz="1600" baseline="30000" dirty="0"/>
-              <a:t> +</a:t>
+              <a:t>+ </a:t>
             </a:r>
             <a:r>
               <a:rPr lang="en-US" altLang="zh-CN" sz="1600" dirty="0"/>
-              <a:t>= BDEAGC=U</a:t>
+              <a:t>= BDEAGC = U</a:t>
             </a:r>
           </a:p>
           <a:p>
@@ -43284,7 +44982,7 @@
     </p:spTree>
     <p:extLst>
       <p:ext uri="{BB962C8B-B14F-4D97-AF65-F5344CB8AC3E}">
-        <p14:creationId xmlns:p14="http://schemas.microsoft.com/office/powerpoint/2010/main" val="1850079028"/>
+        <p14:creationId xmlns:p14="http://schemas.microsoft.com/office/powerpoint/2010/main" val="3122896721"/>
       </p:ext>
     </p:extLst>
   </p:cSld>
@@ -43294,7 +44992,7 @@
 </p:sld>
 </file>
 
-<file path=ppt/slides/slide64.xml><?xml version="1.0" encoding="utf-8"?>
+<file path=ppt/slides/slide69.xml><?xml version="1.0" encoding="utf-8"?>
 <p:sld xmlns:a="http://schemas.openxmlformats.org/drawingml/2006/main" xmlns:r="http://schemas.openxmlformats.org/officeDocument/2006/relationships" xmlns:p="http://schemas.openxmlformats.org/presentationml/2006/main">
   <p:cSld>
     <p:spTree>
@@ -43354,8 +45052,8 @@
         </p:nvSpPr>
         <p:spPr>
           <a:xfrm>
-            <a:off x="457200" y="1124840"/>
-            <a:ext cx="8229600" cy="4854575"/>
+            <a:off x="179695" y="836820"/>
+            <a:ext cx="8784609" cy="5142595"/>
           </a:xfrm>
         </p:spPr>
         <p:txBody>
@@ -43419,7 +45117,7 @@
             </a:pPr>
             <a:r>
               <a:rPr lang="en-US" altLang="zh-CN" dirty="0"/>
-              <a:t> F={A→ BC , BC → A , BCD → EF , E → C}, </a:t>
+              <a:t> F={A→BC , BC→A , BCD→EF , E→C}, </a:t>
             </a:r>
           </a:p>
           <a:p>
@@ -43449,8 +45147,17 @@
               <a:t>解</a:t>
             </a:r>
             <a:r>
+              <a:rPr lang="en-US" altLang="zh-CN" dirty="0"/>
+              <a:t>:</a:t>
+            </a:r>
+          </a:p>
+          <a:p>
+            <a:pPr marL="0" indent="0">
+              <a:buNone/>
+            </a:pPr>
+            <a:r>
               <a:rPr lang="en-US" altLang="zh-CN" sz="1600" dirty="0"/>
-              <a:t>(1) L=(D ), R=(F ), LR=(A , B , C , E ), N=</a:t>
+              <a:t>(1) L=(D), R=(F), LR=(A , B , C , E ), N=</a:t>
             </a:r>
             <a:r>
               <a:rPr lang="zh-CN" altLang="en-US" sz="1600" dirty="0"/>
@@ -43468,7 +45175,7 @@
             </a:pPr>
             <a:r>
               <a:rPr lang="en-US" altLang="zh-CN" sz="1600" dirty="0"/>
-              <a:t>      (2) L</a:t>
+              <a:t>(2) L</a:t>
             </a:r>
             <a:r>
               <a:rPr lang="zh-CN" altLang="zh-CN" sz="1600" dirty="0"/>
@@ -43476,7 +45183,7 @@
             </a:r>
             <a:r>
               <a:rPr lang="en-US" altLang="zh-CN" sz="1600" dirty="0"/>
-              <a:t>N=(D ) D</a:t>
+              <a:t>N=(D) , D</a:t>
             </a:r>
             <a:r>
               <a:rPr lang="en-US" altLang="zh-CN" sz="1600" baseline="30000" dirty="0"/>
@@ -43494,7 +45201,7 @@
             </a:pPr>
             <a:r>
               <a:rPr lang="en-US" altLang="zh-CN" sz="1600" dirty="0"/>
-              <a:t>      (3)</a:t>
+              <a:t>(3)</a:t>
             </a:r>
             <a:r>
               <a:rPr lang="zh-CN" altLang="zh-CN" sz="1600" dirty="0"/>
@@ -43502,7 +45209,7 @@
             </a:r>
             <a:r>
               <a:rPr lang="en-US" altLang="zh-CN" sz="1600" dirty="0"/>
-              <a:t> DA</a:t>
+              <a:t> (DA)</a:t>
             </a:r>
             <a:r>
               <a:rPr lang="en-US" altLang="zh-CN" sz="1600" baseline="30000" dirty="0"/>
@@ -43510,7 +45217,7 @@
             </a:r>
             <a:r>
               <a:rPr lang="en-US" altLang="zh-CN" sz="1600" dirty="0"/>
-              <a:t>=DABCEF=U, DB</a:t>
+              <a:t>=DABCEF=U, (DB)</a:t>
             </a:r>
             <a:r>
               <a:rPr lang="en-US" altLang="zh-CN" sz="1600" baseline="30000" dirty="0"/>
@@ -43518,7 +45225,7 @@
             </a:r>
             <a:r>
               <a:rPr lang="en-US" altLang="zh-CN" sz="1600" dirty="0"/>
-              <a:t>=DB DC</a:t>
+              <a:t>=DB ,(DC)</a:t>
             </a:r>
             <a:r>
               <a:rPr lang="en-US" altLang="zh-CN" sz="1600" baseline="30000" dirty="0"/>
@@ -43526,7 +45233,7 @@
             </a:r>
             <a:r>
               <a:rPr lang="en-US" altLang="zh-CN" sz="1600" dirty="0"/>
-              <a:t>=DC, DE</a:t>
+              <a:t>=DC, (DE)</a:t>
             </a:r>
             <a:r>
               <a:rPr lang="en-US" altLang="zh-CN" sz="1600" baseline="30000" dirty="0"/>
@@ -43560,7 +45267,7 @@
             </a:pPr>
             <a:r>
               <a:rPr lang="en-US" altLang="zh-CN" sz="1600" dirty="0"/>
-              <a:t>      (4) </a:t>
+              <a:t>(4)</a:t>
             </a:r>
             <a:r>
               <a:rPr lang="zh-CN" altLang="zh-CN" sz="1600" dirty="0"/>
@@ -43568,7 +45275,7 @@
             </a:r>
             <a:r>
               <a:rPr lang="en-US" altLang="zh-CN" sz="1600" dirty="0"/>
-              <a:t> DBC+=DBCAEF=U, DBE</a:t>
+              <a:t> (DBC)</a:t>
             </a:r>
             <a:r>
               <a:rPr lang="en-US" altLang="zh-CN" sz="1600" baseline="30000" dirty="0"/>
@@ -43576,7 +45283,7 @@
             </a:r>
             <a:r>
               <a:rPr lang="en-US" altLang="zh-CN" sz="1600" dirty="0"/>
-              <a:t>=DBECAF=U, DCE</a:t>
+              <a:t>=DBCAEF=U, (DBE)</a:t>
             </a:r>
             <a:r>
               <a:rPr lang="en-US" altLang="zh-CN" sz="1600" baseline="30000" dirty="0"/>
@@ -43584,6 +45291,14 @@
             </a:r>
             <a:r>
               <a:rPr lang="en-US" altLang="zh-CN" sz="1600" dirty="0"/>
+              <a:t>=DBECAF=U, (DCE)</a:t>
+            </a:r>
+            <a:r>
+              <a:rPr lang="en-US" altLang="zh-CN" sz="1600" baseline="30000" dirty="0"/>
+              <a:t>+</a:t>
+            </a:r>
+            <a:r>
+              <a:rPr lang="en-US" altLang="zh-CN" sz="1600" dirty="0"/>
               <a:t>=DCE, </a:t>
             </a:r>
             <a:r>
@@ -43592,7 +45307,7 @@
             </a:r>
             <a:r>
               <a:rPr lang="en-US" altLang="zh-CN" sz="1600" dirty="0"/>
-              <a:t> DBC </a:t>
+              <a:t>DBC</a:t>
             </a:r>
             <a:r>
               <a:rPr lang="zh-CN" altLang="zh-CN" sz="1600" dirty="0"/>
@@ -43600,7 +45315,7 @@
             </a:r>
             <a:r>
               <a:rPr lang="en-US" altLang="zh-CN" sz="1600" dirty="0"/>
-              <a:t> DBE </a:t>
+              <a:t>DBE </a:t>
             </a:r>
             <a:r>
               <a:rPr lang="zh-CN" altLang="zh-CN" sz="1600" dirty="0"/>
@@ -43618,7 +45333,7 @@
             </a:pPr>
             <a:r>
               <a:rPr lang="en-US" altLang="zh-CN" dirty="0"/>
-              <a:t>   (5) </a:t>
+              <a:t>(5) </a:t>
             </a:r>
             <a:r>
               <a:rPr lang="en-US" altLang="zh-CN" dirty="0">
@@ -43653,7 +45368,7 @@
               <a:t>DA</a:t>
             </a:r>
             <a:r>
-              <a:rPr lang="en-US" altLang="zh-CN" dirty="0">
+              <a:rPr lang="zh-CN" altLang="zh-CN" dirty="0">
                 <a:solidFill>
                   <a:srgbClr val="FF0000"/>
                 </a:solidFill>
@@ -43661,10 +45376,10 @@
                   <a:srgbClr val="FFFF00"/>
                 </a:highlight>
               </a:rPr>
-              <a:t> </a:t>
-            </a:r>
-            <a:r>
-              <a:rPr lang="zh-CN" altLang="zh-CN" dirty="0">
+              <a:t>、</a:t>
+            </a:r>
+            <a:r>
+              <a:rPr lang="en-US" altLang="zh-CN" dirty="0">
                 <a:solidFill>
                   <a:srgbClr val="FF0000"/>
                 </a:solidFill>
@@ -43672,10 +45387,10 @@
                   <a:srgbClr val="FFFF00"/>
                 </a:highlight>
               </a:rPr>
-              <a:t>、</a:t>
-            </a:r>
-            <a:r>
-              <a:rPr lang="en-US" altLang="zh-CN" dirty="0">
+              <a:t>DBC</a:t>
+            </a:r>
+            <a:r>
+              <a:rPr lang="zh-CN" altLang="zh-CN" dirty="0">
                 <a:solidFill>
                   <a:srgbClr val="FF0000"/>
                 </a:solidFill>
@@ -43683,10 +45398,10 @@
                   <a:srgbClr val="FFFF00"/>
                 </a:highlight>
               </a:rPr>
-              <a:t> DBC </a:t>
-            </a:r>
-            <a:r>
-              <a:rPr lang="zh-CN" altLang="zh-CN" dirty="0">
+              <a:t>、</a:t>
+            </a:r>
+            <a:r>
+              <a:rPr lang="en-US" altLang="zh-CN" dirty="0">
                 <a:solidFill>
                   <a:srgbClr val="FF0000"/>
                 </a:solidFill>
@@ -43694,18 +45409,7 @@
                   <a:srgbClr val="FFFF00"/>
                 </a:highlight>
               </a:rPr>
-              <a:t>、</a:t>
-            </a:r>
-            <a:r>
-              <a:rPr lang="en-US" altLang="zh-CN" dirty="0">
-                <a:solidFill>
-                  <a:srgbClr val="FF0000"/>
-                </a:solidFill>
-                <a:highlight>
-                  <a:srgbClr val="FFFF00"/>
-                </a:highlight>
-              </a:rPr>
-              <a:t> DBE</a:t>
+              <a:t>DBE</a:t>
             </a:r>
             <a:endParaRPr lang="zh-CN" altLang="zh-CN" sz="4000" dirty="0">
               <a:solidFill>
@@ -43939,7 +45643,7 @@
         </p:nvSpPr>
         <p:spPr>
           <a:xfrm>
-            <a:off x="1619795" y="5877170"/>
+            <a:off x="1403780" y="5905040"/>
             <a:ext cx="2448169" cy="584775"/>
           </a:xfrm>
           <a:prstGeom prst="rect">
@@ -44021,7 +45725,7 @@
     </p:spTree>
     <p:extLst>
       <p:ext uri="{BB962C8B-B14F-4D97-AF65-F5344CB8AC3E}">
-        <p14:creationId xmlns:p14="http://schemas.microsoft.com/office/powerpoint/2010/main" val="588199781"/>
+        <p14:creationId xmlns:p14="http://schemas.microsoft.com/office/powerpoint/2010/main" val="3279865695"/>
       </p:ext>
     </p:extLst>
   </p:cSld>
@@ -44031,7 +45735,213 @@
 </p:sld>
 </file>
 
-<file path=ppt/slides/slide65.xml><?xml version="1.0" encoding="utf-8"?>
+<file path=ppt/slides/slide7.xml><?xml version="1.0" encoding="utf-8"?>
+<p:sld xmlns:a="http://schemas.openxmlformats.org/drawingml/2006/main" xmlns:r="http://schemas.openxmlformats.org/officeDocument/2006/relationships" xmlns:p="http://schemas.openxmlformats.org/presentationml/2006/main">
+  <p:cSld>
+    <p:spTree>
+      <p:nvGrpSpPr>
+        <p:cNvPr id="1" name=""/>
+        <p:cNvGrpSpPr/>
+        <p:nvPr/>
+      </p:nvGrpSpPr>
+      <p:grpSpPr>
+        <a:xfrm>
+          <a:off x="0" y="0"/>
+          <a:ext cx="0" cy="0"/>
+          <a:chOff x="0" y="0"/>
+          <a:chExt cx="0" cy="0"/>
+        </a:xfrm>
+      </p:grpSpPr>
+      <p:sp>
+        <p:nvSpPr>
+          <p:cNvPr id="4097" name="Rectangle 2">
+            <a:extLst>
+              <a:ext uri="{FF2B5EF4-FFF2-40B4-BE49-F238E27FC236}">
+                <a16:creationId xmlns:a16="http://schemas.microsoft.com/office/drawing/2014/main" id="{0237AB59-7C24-4E46-9D8F-AE08F1397A07}"/>
+              </a:ext>
+            </a:extLst>
+          </p:cNvPr>
+          <p:cNvSpPr>
+            <a:spLocks noGrp="1" noChangeArrowheads="1"/>
+          </p:cNvSpPr>
+          <p:nvPr>
+            <p:ph type="ctrTitle"/>
+          </p:nvPr>
+        </p:nvSpPr>
+        <p:spPr>
+          <a:xfrm>
+            <a:off x="612775" y="-26988"/>
+            <a:ext cx="7772400" cy="858838"/>
+          </a:xfrm>
+        </p:spPr>
+        <p:txBody>
+          <a:bodyPr/>
+          <a:lstStyle/>
+          <a:p>
+            <a:r>
+              <a:rPr lang="zh-CN" altLang="en-US">
+                <a:sym typeface="微软雅黑" panose="020B0503020204020204" pitchFamily="34" charset="-122"/>
+              </a:rPr>
+              <a:t>第六章 关系数据理论</a:t>
+            </a:r>
+            <a:endParaRPr lang="zh-CN" altLang="en-US"/>
+          </a:p>
+        </p:txBody>
+      </p:sp>
+      <p:sp>
+        <p:nvSpPr>
+          <p:cNvPr id="4098" name="Rectangle 3">
+            <a:extLst>
+              <a:ext uri="{FF2B5EF4-FFF2-40B4-BE49-F238E27FC236}">
+                <a16:creationId xmlns:a16="http://schemas.microsoft.com/office/drawing/2014/main" id="{AE15A22C-28D7-4D94-879D-8A7AFADF27BA}"/>
+              </a:ext>
+            </a:extLst>
+          </p:cNvPr>
+          <p:cNvSpPr>
+            <a:spLocks noGrp="1" noChangeArrowheads="1"/>
+          </p:cNvSpPr>
+          <p:nvPr>
+            <p:ph type="subTitle" idx="1"/>
+          </p:nvPr>
+        </p:nvSpPr>
+        <p:spPr>
+          <a:xfrm>
+            <a:off x="827088" y="1339850"/>
+            <a:ext cx="7705725" cy="4537075"/>
+          </a:xfrm>
+        </p:spPr>
+        <p:txBody>
+          <a:bodyPr/>
+          <a:lstStyle/>
+          <a:p>
+            <a:pPr lvl="1" indent="-285750" algn="l" eaLnBrk="1" hangingPunct="1">
+              <a:lnSpc>
+                <a:spcPct val="150000"/>
+              </a:lnSpc>
+              <a:tabLst>
+                <a:tab pos="1431925" algn="l"/>
+              </a:tabLst>
+            </a:pPr>
+            <a:r>
+              <a:rPr lang="en-US" altLang="zh-CN" sz="2800" dirty="0">
+                <a:solidFill>
+                  <a:srgbClr val="0066FF"/>
+                </a:solidFill>
+                <a:sym typeface="Calibri" panose="020F0502020204030204" pitchFamily="34" charset="0"/>
+              </a:rPr>
+              <a:t>   6.1 </a:t>
+            </a:r>
+            <a:r>
+              <a:rPr lang="zh-CN" altLang="en-US" sz="2800" dirty="0">
+                <a:solidFill>
+                  <a:srgbClr val="0066FF"/>
+                </a:solidFill>
+                <a:sym typeface="Calibri" panose="020F0502020204030204" pitchFamily="34" charset="0"/>
+              </a:rPr>
+              <a:t>问题的提出</a:t>
+            </a:r>
+          </a:p>
+          <a:p>
+            <a:pPr marL="741363" indent="-284163" eaLnBrk="1" hangingPunct="1">
+              <a:lnSpc>
+                <a:spcPct val="150000"/>
+              </a:lnSpc>
+              <a:tabLst>
+                <a:tab pos="1431925" algn="l"/>
+              </a:tabLst>
+            </a:pPr>
+            <a:r>
+              <a:rPr lang="en-US" altLang="zh-CN" dirty="0">
+                <a:sym typeface="Calibri" panose="020F0502020204030204" pitchFamily="34" charset="0"/>
+              </a:rPr>
+              <a:t>6.2 </a:t>
+            </a:r>
+            <a:r>
+              <a:rPr lang="zh-CN" altLang="en-US" dirty="0">
+                <a:sym typeface="Calibri" panose="020F0502020204030204" pitchFamily="34" charset="0"/>
+              </a:rPr>
+              <a:t>规范化</a:t>
+            </a:r>
+          </a:p>
+          <a:p>
+            <a:pPr marL="741363" indent="-284163" eaLnBrk="1" hangingPunct="1">
+              <a:lnSpc>
+                <a:spcPct val="150000"/>
+              </a:lnSpc>
+              <a:tabLst>
+                <a:tab pos="1431925" algn="l"/>
+              </a:tabLst>
+            </a:pPr>
+            <a:r>
+              <a:rPr lang="en-US" altLang="zh-CN" dirty="0">
+                <a:sym typeface="Calibri" panose="020F0502020204030204" pitchFamily="34" charset="0"/>
+              </a:rPr>
+              <a:t>*</a:t>
+            </a:r>
+            <a:r>
+              <a:rPr lang="en-US" altLang="zh-CN" strike="sngStrike" dirty="0">
+                <a:sym typeface="Calibri" panose="020F0502020204030204" pitchFamily="34" charset="0"/>
+              </a:rPr>
+              <a:t>6.3 </a:t>
+            </a:r>
+            <a:r>
+              <a:rPr lang="zh-CN" altLang="en-US" strike="sngStrike" dirty="0">
+                <a:sym typeface="Calibri" panose="020F0502020204030204" pitchFamily="34" charset="0"/>
+              </a:rPr>
+              <a:t>数据依赖的公理系统</a:t>
+            </a:r>
+          </a:p>
+          <a:p>
+            <a:pPr marL="741363" indent="-284163" eaLnBrk="1" hangingPunct="1">
+              <a:lnSpc>
+                <a:spcPct val="150000"/>
+              </a:lnSpc>
+              <a:tabLst>
+                <a:tab pos="1431925" algn="l"/>
+              </a:tabLst>
+            </a:pPr>
+            <a:r>
+              <a:rPr lang="en-US" altLang="zh-CN" strike="sngStrike" dirty="0">
+                <a:sym typeface="Calibri" panose="020F0502020204030204" pitchFamily="34" charset="0"/>
+              </a:rPr>
+              <a:t>*6.4 </a:t>
+            </a:r>
+            <a:r>
+              <a:rPr lang="zh-CN" altLang="en-US" strike="sngStrike" dirty="0">
+                <a:sym typeface="Calibri" panose="020F0502020204030204" pitchFamily="34" charset="0"/>
+              </a:rPr>
+              <a:t>模式的分解</a:t>
+            </a:r>
+          </a:p>
+          <a:p>
+            <a:pPr marL="741363" indent="-284163" eaLnBrk="1" hangingPunct="1">
+              <a:lnSpc>
+                <a:spcPct val="150000"/>
+              </a:lnSpc>
+              <a:tabLst>
+                <a:tab pos="1431925" algn="l"/>
+              </a:tabLst>
+            </a:pPr>
+            <a:r>
+              <a:rPr lang="zh-CN" altLang="en-US" dirty="0">
+                <a:sym typeface="Calibri" panose="020F0502020204030204" pitchFamily="34" charset="0"/>
+              </a:rPr>
+              <a:t> 6.5 小结</a:t>
+            </a:r>
+            <a:endParaRPr lang="zh-CN" altLang="en-US" dirty="0"/>
+          </a:p>
+        </p:txBody>
+      </p:sp>
+    </p:spTree>
+  </p:cSld>
+  <p:clrMapOvr>
+    <a:masterClrMapping/>
+  </p:clrMapOvr>
+  <p:transition/>
+</p:sld>
+</file>
+
+<file path=ppt/slides/slide70.xml><?xml version="1.0" encoding="utf-8"?>
 <p:sld xmlns:a="http://schemas.openxmlformats.org/drawingml/2006/main" xmlns:r="http://schemas.openxmlformats.org/officeDocument/2006/relationships" xmlns:p="http://schemas.openxmlformats.org/presentationml/2006/main">
   <p:cSld>
     <p:spTree>
@@ -44312,7 +46222,7 @@
 </p:sld>
 </file>
 
-<file path=ppt/slides/slide66.xml><?xml version="1.0" encoding="utf-8"?>
+<file path=ppt/slides/slide71.xml><?xml version="1.0" encoding="utf-8"?>
 <p:sld xmlns:a="http://schemas.openxmlformats.org/drawingml/2006/main" xmlns:r="http://schemas.openxmlformats.org/officeDocument/2006/relationships" xmlns:p="http://schemas.openxmlformats.org/presentationml/2006/main">
   <p:cSld>
     <p:spTree>
@@ -44484,212 +46394,6 @@
   <p:clrMapOvr>
     <a:masterClrMapping/>
   </p:clrMapOvr>
-</p:sld>
-</file>
-
-<file path=ppt/slides/slide7.xml><?xml version="1.0" encoding="utf-8"?>
-<p:sld xmlns:a="http://schemas.openxmlformats.org/drawingml/2006/main" xmlns:r="http://schemas.openxmlformats.org/officeDocument/2006/relationships" xmlns:p="http://schemas.openxmlformats.org/presentationml/2006/main">
-  <p:cSld>
-    <p:spTree>
-      <p:nvGrpSpPr>
-        <p:cNvPr id="1" name=""/>
-        <p:cNvGrpSpPr/>
-        <p:nvPr/>
-      </p:nvGrpSpPr>
-      <p:grpSpPr>
-        <a:xfrm>
-          <a:off x="0" y="0"/>
-          <a:ext cx="0" cy="0"/>
-          <a:chOff x="0" y="0"/>
-          <a:chExt cx="0" cy="0"/>
-        </a:xfrm>
-      </p:grpSpPr>
-      <p:sp>
-        <p:nvSpPr>
-          <p:cNvPr id="4097" name="Rectangle 2">
-            <a:extLst>
-              <a:ext uri="{FF2B5EF4-FFF2-40B4-BE49-F238E27FC236}">
-                <a16:creationId xmlns:a16="http://schemas.microsoft.com/office/drawing/2014/main" id="{0237AB59-7C24-4E46-9D8F-AE08F1397A07}"/>
-              </a:ext>
-            </a:extLst>
-          </p:cNvPr>
-          <p:cNvSpPr>
-            <a:spLocks noGrp="1" noChangeArrowheads="1"/>
-          </p:cNvSpPr>
-          <p:nvPr>
-            <p:ph type="ctrTitle"/>
-          </p:nvPr>
-        </p:nvSpPr>
-        <p:spPr>
-          <a:xfrm>
-            <a:off x="612775" y="-26988"/>
-            <a:ext cx="7772400" cy="858838"/>
-          </a:xfrm>
-        </p:spPr>
-        <p:txBody>
-          <a:bodyPr/>
-          <a:lstStyle/>
-          <a:p>
-            <a:r>
-              <a:rPr lang="zh-CN" altLang="en-US">
-                <a:sym typeface="微软雅黑" panose="020B0503020204020204" pitchFamily="34" charset="-122"/>
-              </a:rPr>
-              <a:t>第六章 关系数据理论</a:t>
-            </a:r>
-            <a:endParaRPr lang="zh-CN" altLang="en-US"/>
-          </a:p>
-        </p:txBody>
-      </p:sp>
-      <p:sp>
-        <p:nvSpPr>
-          <p:cNvPr id="4098" name="Rectangle 3">
-            <a:extLst>
-              <a:ext uri="{FF2B5EF4-FFF2-40B4-BE49-F238E27FC236}">
-                <a16:creationId xmlns:a16="http://schemas.microsoft.com/office/drawing/2014/main" id="{AE15A22C-28D7-4D94-879D-8A7AFADF27BA}"/>
-              </a:ext>
-            </a:extLst>
-          </p:cNvPr>
-          <p:cNvSpPr>
-            <a:spLocks noGrp="1" noChangeArrowheads="1"/>
-          </p:cNvSpPr>
-          <p:nvPr>
-            <p:ph type="subTitle" idx="1"/>
-          </p:nvPr>
-        </p:nvSpPr>
-        <p:spPr>
-          <a:xfrm>
-            <a:off x="827088" y="1339850"/>
-            <a:ext cx="7705725" cy="4537075"/>
-          </a:xfrm>
-        </p:spPr>
-        <p:txBody>
-          <a:bodyPr/>
-          <a:lstStyle/>
-          <a:p>
-            <a:pPr lvl="1" indent="-285750" algn="l" eaLnBrk="1" hangingPunct="1">
-              <a:lnSpc>
-                <a:spcPct val="150000"/>
-              </a:lnSpc>
-              <a:tabLst>
-                <a:tab pos="1431925" algn="l"/>
-              </a:tabLst>
-            </a:pPr>
-            <a:r>
-              <a:rPr lang="en-US" altLang="zh-CN" sz="2800" dirty="0">
-                <a:solidFill>
-                  <a:srgbClr val="0066FF"/>
-                </a:solidFill>
-                <a:sym typeface="Calibri" panose="020F0502020204030204" pitchFamily="34" charset="0"/>
-              </a:rPr>
-              <a:t>   6.1 </a:t>
-            </a:r>
-            <a:r>
-              <a:rPr lang="zh-CN" altLang="en-US" sz="2800" dirty="0">
-                <a:solidFill>
-                  <a:srgbClr val="0066FF"/>
-                </a:solidFill>
-                <a:sym typeface="Calibri" panose="020F0502020204030204" pitchFamily="34" charset="0"/>
-              </a:rPr>
-              <a:t>问题的提出</a:t>
-            </a:r>
-          </a:p>
-          <a:p>
-            <a:pPr marL="741363" indent="-284163" eaLnBrk="1" hangingPunct="1">
-              <a:lnSpc>
-                <a:spcPct val="150000"/>
-              </a:lnSpc>
-              <a:tabLst>
-                <a:tab pos="1431925" algn="l"/>
-              </a:tabLst>
-            </a:pPr>
-            <a:r>
-              <a:rPr lang="en-US" altLang="zh-CN" dirty="0">
-                <a:sym typeface="Calibri" panose="020F0502020204030204" pitchFamily="34" charset="0"/>
-              </a:rPr>
-              <a:t>6.2 </a:t>
-            </a:r>
-            <a:r>
-              <a:rPr lang="zh-CN" altLang="en-US" dirty="0">
-                <a:sym typeface="Calibri" panose="020F0502020204030204" pitchFamily="34" charset="0"/>
-              </a:rPr>
-              <a:t>规范化</a:t>
-            </a:r>
-          </a:p>
-          <a:p>
-            <a:pPr marL="741363" indent="-284163" eaLnBrk="1" hangingPunct="1">
-              <a:lnSpc>
-                <a:spcPct val="150000"/>
-              </a:lnSpc>
-              <a:tabLst>
-                <a:tab pos="1431925" algn="l"/>
-              </a:tabLst>
-            </a:pPr>
-            <a:r>
-              <a:rPr lang="en-US" altLang="zh-CN" dirty="0">
-                <a:sym typeface="Calibri" panose="020F0502020204030204" pitchFamily="34" charset="0"/>
-              </a:rPr>
-              <a:t>*</a:t>
-            </a:r>
-            <a:r>
-              <a:rPr lang="en-US" altLang="zh-CN" strike="sngStrike" dirty="0">
-                <a:sym typeface="Calibri" panose="020F0502020204030204" pitchFamily="34" charset="0"/>
-              </a:rPr>
-              <a:t>6.3 </a:t>
-            </a:r>
-            <a:r>
-              <a:rPr lang="zh-CN" altLang="en-US" strike="sngStrike" dirty="0">
-                <a:sym typeface="Calibri" panose="020F0502020204030204" pitchFamily="34" charset="0"/>
-              </a:rPr>
-              <a:t>数据依赖的公理系统</a:t>
-            </a:r>
-          </a:p>
-          <a:p>
-            <a:pPr marL="741363" indent="-284163" eaLnBrk="1" hangingPunct="1">
-              <a:lnSpc>
-                <a:spcPct val="150000"/>
-              </a:lnSpc>
-              <a:tabLst>
-                <a:tab pos="1431925" algn="l"/>
-              </a:tabLst>
-            </a:pPr>
-            <a:r>
-              <a:rPr lang="en-US" altLang="zh-CN" strike="sngStrike" dirty="0">
-                <a:sym typeface="Calibri" panose="020F0502020204030204" pitchFamily="34" charset="0"/>
-              </a:rPr>
-              <a:t>*6.4 </a:t>
-            </a:r>
-            <a:r>
-              <a:rPr lang="zh-CN" altLang="en-US" strike="sngStrike" dirty="0">
-                <a:sym typeface="Calibri" panose="020F0502020204030204" pitchFamily="34" charset="0"/>
-              </a:rPr>
-              <a:t>模式的分解</a:t>
-            </a:r>
-          </a:p>
-          <a:p>
-            <a:pPr marL="741363" indent="-284163" eaLnBrk="1" hangingPunct="1">
-              <a:lnSpc>
-                <a:spcPct val="150000"/>
-              </a:lnSpc>
-              <a:tabLst>
-                <a:tab pos="1431925" algn="l"/>
-              </a:tabLst>
-            </a:pPr>
-            <a:r>
-              <a:rPr lang="zh-CN" altLang="en-US" dirty="0">
-                <a:sym typeface="Calibri" panose="020F0502020204030204" pitchFamily="34" charset="0"/>
-              </a:rPr>
-              <a:t> 6.5 小结</a:t>
-            </a:r>
-            <a:endParaRPr lang="zh-CN" altLang="en-US" dirty="0"/>
-          </a:p>
-        </p:txBody>
-      </p:sp>
-    </p:spTree>
-  </p:cSld>
-  <p:clrMapOvr>
-    <a:masterClrMapping/>
-  </p:clrMapOvr>
-  <p:transition/>
 </p:sld>
 </file>
 
